--- a/Design Review One/Flick Stick Design Review Presentation.pptx
+++ b/Design Review One/Flick Stick Design Review Presentation.pptx
@@ -6024,6 +6024,13 @@
   <p:clrMapOvr>
     <a:masterClrMapping/>
   </p:clrMapOvr>
+  <p:timing>
+    <p:tnLst>
+      <p:par>
+        <p:cTn id="1" dur="indefinite" restart="never" nodeType="tmRoot"/>
+      </p:par>
+    </p:tnLst>
+  </p:timing>
 </p:sld>
 </file>
 
@@ -7390,15 +7397,7 @@
             <a:pPr lvl="1"/>
             <a:r>
               <a:rPr lang="en-US" sz="2000" dirty="0" smtClean="0"/>
-              <a:t>Java, Android, </a:t>
-            </a:r>
-            <a:r>
-              <a:rPr lang="en-US" sz="2000" dirty="0" smtClean="0"/>
-              <a:t>etc</a:t>
-            </a:r>
-            <a:r>
-              <a:rPr lang="en-US" sz="2000" dirty="0" smtClean="0"/>
-              <a:t>.</a:t>
+              <a:t>Java, Android, etc.</a:t>
             </a:r>
           </a:p>
           <a:p>
@@ -7547,13 +7546,21 @@
           <a:p>
             <a:r>
               <a:rPr lang="en-US" sz="2000" dirty="0" smtClean="0"/>
-              <a:t>User Flicks Ball to Start play</a:t>
-            </a:r>
-          </a:p>
-          <a:p>
+              <a:t>User Flicks Ball to Start </a:t>
+            </a:r>
             <a:r>
               <a:rPr lang="en-US" sz="2000" dirty="0" smtClean="0"/>
-              <a:t>Game continues and User Wins</a:t>
+              <a:t>play</a:t>
+            </a:r>
+          </a:p>
+          <a:p>
+            <a:r>
+              <a:rPr lang="en-US" sz="2000" dirty="0" smtClean="0"/>
+              <a:t>Game </a:t>
+            </a:r>
+            <a:r>
+              <a:rPr lang="en-US" sz="2000" dirty="0" smtClean="0"/>
+              <a:t>continues and User Wins</a:t>
             </a:r>
           </a:p>
           <a:p>
@@ -8395,6 +8402,13 @@
   <p:clrMapOvr>
     <a:masterClrMapping/>
   </p:clrMapOvr>
+  <p:timing>
+    <p:tnLst>
+      <p:par>
+        <p:cTn id="1" dur="indefinite" restart="never" nodeType="tmRoot"/>
+      </p:par>
+    </p:tnLst>
+  </p:timing>
 </p:sld>
 </file>
 
@@ -9023,6 +9037,13 @@
   <p:clrMapOvr>
     <a:masterClrMapping/>
   </p:clrMapOvr>
+  <p:timing>
+    <p:tnLst>
+      <p:par>
+        <p:cTn id="1" dur="indefinite" restart="never" nodeType="tmRoot"/>
+      </p:par>
+    </p:tnLst>
+  </p:timing>
 </p:sld>
 </file>
 

--- a/Design Review One/Flick Stick Design Review Presentation.pptx
+++ b/Design Review One/Flick Stick Design Review Presentation.pptx
@@ -9,14 +9,10 @@
     <p:sldId id="258" r:id="rId3"/>
     <p:sldId id="270" r:id="rId4"/>
     <p:sldId id="262" r:id="rId5"/>
-    <p:sldId id="275" r:id="rId6"/>
-    <p:sldId id="271" r:id="rId7"/>
-    <p:sldId id="263" r:id="rId8"/>
-    <p:sldId id="276" r:id="rId9"/>
-    <p:sldId id="265" r:id="rId10"/>
-    <p:sldId id="274" r:id="rId11"/>
-    <p:sldId id="269" r:id="rId12"/>
-    <p:sldId id="257" r:id="rId13"/>
+    <p:sldId id="263" r:id="rId6"/>
+    <p:sldId id="274" r:id="rId7"/>
+    <p:sldId id="269" r:id="rId8"/>
+    <p:sldId id="257" r:id="rId9"/>
   </p:sldIdLst>
   <p:sldSz cx="12192000" cy="6858000"/>
   <p:notesSz cx="6858000" cy="9144000"/>
@@ -869,7 +865,7 @@
             <a:fld id="{B61BEF0D-F0BB-DE4B-95CE-6DB70DBA9567}" type="datetimeFigureOut">
               <a:rPr lang="en-US" dirty="0"/>
               <a:pPr/>
-              <a:t>3/18/2015</a:t>
+              <a:t>4/29/2015</a:t>
             </a:fld>
             <a:endParaRPr lang="en-US" dirty="0"/>
           </a:p>
@@ -1117,7 +1113,7 @@
             <a:fld id="{B61BEF0D-F0BB-DE4B-95CE-6DB70DBA9567}" type="datetimeFigureOut">
               <a:rPr lang="en-US" dirty="0"/>
               <a:pPr/>
-              <a:t>3/18/2015</a:t>
+              <a:t>4/29/2015</a:t>
             </a:fld>
             <a:endParaRPr lang="en-US" dirty="0"/>
           </a:p>
@@ -1428,7 +1424,7 @@
             <a:fld id="{B61BEF0D-F0BB-DE4B-95CE-6DB70DBA9567}" type="datetimeFigureOut">
               <a:rPr lang="en-US" dirty="0"/>
               <a:pPr/>
-              <a:t>3/18/2015</a:t>
+              <a:t>4/29/2015</a:t>
             </a:fld>
             <a:endParaRPr lang="en-US" dirty="0"/>
           </a:p>
@@ -1758,7 +1754,7 @@
             <a:fld id="{B61BEF0D-F0BB-DE4B-95CE-6DB70DBA9567}" type="datetimeFigureOut">
               <a:rPr lang="en-US" dirty="0"/>
               <a:pPr/>
-              <a:t>3/18/2015</a:t>
+              <a:t>4/29/2015</a:t>
             </a:fld>
             <a:endParaRPr lang="en-US" dirty="0"/>
           </a:p>
@@ -2069,7 +2065,7 @@
             <a:fld id="{B61BEF0D-F0BB-DE4B-95CE-6DB70DBA9567}" type="datetimeFigureOut">
               <a:rPr lang="en-US" dirty="0"/>
               <a:pPr/>
-              <a:t>3/18/2015</a:t>
+              <a:t>4/29/2015</a:t>
             </a:fld>
             <a:endParaRPr lang="en-US" dirty="0"/>
           </a:p>
@@ -2459,7 +2455,7 @@
             <a:fld id="{B61BEF0D-F0BB-DE4B-95CE-6DB70DBA9567}" type="datetimeFigureOut">
               <a:rPr lang="en-US" dirty="0"/>
               <a:pPr/>
-              <a:t>3/18/2015</a:t>
+              <a:t>4/29/2015</a:t>
             </a:fld>
             <a:endParaRPr lang="en-US" dirty="0"/>
           </a:p>
@@ -2625,7 +2621,7 @@
           <a:p>
             <a:fld id="{55C6B4A9-1611-4792-9094-5F34BCA07E0B}" type="datetimeFigureOut">
               <a:rPr lang="en-US" dirty="0"/>
-              <a:t>3/18/2015</a:t>
+              <a:t>4/29/2015</a:t>
             </a:fld>
             <a:endParaRPr lang="en-US" dirty="0"/>
           </a:p>
@@ -2801,7 +2797,7 @@
             <a:fld id="{B61BEF0D-F0BB-DE4B-95CE-6DB70DBA9567}" type="datetimeFigureOut">
               <a:rPr lang="en-US" dirty="0"/>
               <a:pPr/>
-              <a:t>3/18/2015</a:t>
+              <a:t>4/29/2015</a:t>
             </a:fld>
             <a:endParaRPr lang="en-US" dirty="0"/>
           </a:p>
@@ -2967,7 +2963,7 @@
           <a:p>
             <a:fld id="{42A54C80-263E-416B-A8E0-580EDEADCBDC}" type="datetimeFigureOut">
               <a:rPr lang="en-US" dirty="0"/>
-              <a:t>3/18/2015</a:t>
+              <a:t>4/29/2015</a:t>
             </a:fld>
             <a:endParaRPr lang="en-US" dirty="0"/>
           </a:p>
@@ -3210,7 +3206,7 @@
             <a:fld id="{B61BEF0D-F0BB-DE4B-95CE-6DB70DBA9567}" type="datetimeFigureOut">
               <a:rPr lang="en-US" dirty="0"/>
               <a:pPr/>
-              <a:t>3/18/2015</a:t>
+              <a:t>4/29/2015</a:t>
             </a:fld>
             <a:endParaRPr lang="en-US" dirty="0"/>
           </a:p>
@@ -3438,7 +3434,7 @@
           <a:p>
             <a:fld id="{42A54C80-263E-416B-A8E0-580EDEADCBDC}" type="datetimeFigureOut">
               <a:rPr lang="en-US" dirty="0"/>
-              <a:t>3/18/2015</a:t>
+              <a:t>4/29/2015</a:t>
             </a:fld>
             <a:endParaRPr lang="en-US" dirty="0"/>
           </a:p>
@@ -3808,7 +3804,7 @@
             <a:fld id="{B61BEF0D-F0BB-DE4B-95CE-6DB70DBA9567}" type="datetimeFigureOut">
               <a:rPr lang="en-US" dirty="0"/>
               <a:pPr/>
-              <a:t>3/18/2015</a:t>
+              <a:t>4/29/2015</a:t>
             </a:fld>
             <a:endParaRPr lang="en-US" dirty="0"/>
           </a:p>
@@ -3928,7 +3924,7 @@
             <a:fld id="{B61BEF0D-F0BB-DE4B-95CE-6DB70DBA9567}" type="datetimeFigureOut">
               <a:rPr lang="en-US" dirty="0"/>
               <a:pPr/>
-              <a:t>3/18/2015</a:t>
+              <a:t>4/29/2015</a:t>
             </a:fld>
             <a:endParaRPr lang="en-US" dirty="0"/>
           </a:p>
@@ -4020,7 +4016,7 @@
             <a:fld id="{B61BEF0D-F0BB-DE4B-95CE-6DB70DBA9567}" type="datetimeFigureOut">
               <a:rPr lang="en-US" dirty="0"/>
               <a:pPr/>
-              <a:t>3/18/2015</a:t>
+              <a:t>4/29/2015</a:t>
             </a:fld>
             <a:endParaRPr lang="en-US" dirty="0"/>
           </a:p>
@@ -4271,7 +4267,7 @@
           <a:p>
             <a:fld id="{42A54C80-263E-416B-A8E0-580EDEADCBDC}" type="datetimeFigureOut">
               <a:rPr lang="en-US" dirty="0"/>
-              <a:t>3/18/2015</a:t>
+              <a:t>4/29/2015</a:t>
             </a:fld>
             <a:endParaRPr lang="en-US" dirty="0"/>
           </a:p>
@@ -4573,7 +4569,7 @@
             <a:fld id="{B61BEF0D-F0BB-DE4B-95CE-6DB70DBA9567}" type="datetimeFigureOut">
               <a:rPr lang="en-US" dirty="0"/>
               <a:pPr/>
-              <a:t>3/18/2015</a:t>
+              <a:t>4/29/2015</a:t>
             </a:fld>
             <a:endParaRPr lang="en-US" dirty="0"/>
           </a:p>
@@ -5271,7 +5267,7 @@
             <a:fld id="{B61BEF0D-F0BB-DE4B-95CE-6DB70DBA9567}" type="datetimeFigureOut">
               <a:rPr lang="en-US" dirty="0"/>
               <a:pPr/>
-              <a:t>3/18/2015</a:t>
+              <a:t>4/29/2015</a:t>
             </a:fld>
             <a:endParaRPr lang="en-US" dirty="0"/>
           </a:p>
@@ -5791,9 +5787,79 @@
           <a:chExt cx="0" cy="0"/>
         </a:xfrm>
       </p:grpSpPr>
+      <p:sp>
+        <p:nvSpPr>
+          <p:cNvPr id="2" name="Title 1"/>
+          <p:cNvSpPr>
+            <a:spLocks noGrp="1"/>
+          </p:cNvSpPr>
+          <p:nvPr>
+            <p:ph type="ctrTitle"/>
+          </p:nvPr>
+        </p:nvSpPr>
+        <p:spPr/>
+        <p:txBody>
+          <a:bodyPr/>
+          <a:lstStyle/>
+          <a:p>
+            <a:r>
+              <a:rPr lang="en-US" sz="6000" b="1" dirty="0" smtClean="0"/>
+              <a:t>Flick Stick</a:t>
+            </a:r>
+            <a:endParaRPr lang="en-US" sz="6000" b="1" dirty="0"/>
+          </a:p>
+        </p:txBody>
+      </p:sp>
+      <p:sp>
+        <p:nvSpPr>
+          <p:cNvPr id="3" name="Subtitle 2"/>
+          <p:cNvSpPr>
+            <a:spLocks noGrp="1"/>
+          </p:cNvSpPr>
+          <p:nvPr>
+            <p:ph type="subTitle" idx="1"/>
+          </p:nvPr>
+        </p:nvSpPr>
+        <p:spPr/>
+        <p:txBody>
+          <a:bodyPr>
+            <a:normAutofit/>
+          </a:bodyPr>
+          <a:lstStyle/>
+          <a:p>
+            <a:r>
+              <a:rPr lang="en-US" sz="2000" dirty="0" smtClean="0"/>
+              <a:t>An Android Mobile Soccer Game</a:t>
+            </a:r>
+          </a:p>
+          <a:p>
+            <a:pPr>
+              <a:spcBef>
+                <a:spcPts val="0"/>
+              </a:spcBef>
+            </a:pPr>
+            <a:r>
+              <a:rPr lang="en-US" dirty="0" smtClean="0"/>
+              <a:t>Anthony Menjivar</a:t>
+            </a:r>
+          </a:p>
+          <a:p>
+            <a:pPr>
+              <a:spcBef>
+                <a:spcPts val="0"/>
+              </a:spcBef>
+            </a:pPr>
+            <a:r>
+              <a:rPr lang="en-US" dirty="0" smtClean="0"/>
+              <a:t>January 21, 2015</a:t>
+            </a:r>
+            <a:endParaRPr lang="en-US" dirty="0"/>
+          </a:p>
+        </p:txBody>
+      </p:sp>
       <p:pic>
         <p:nvPicPr>
-          <p:cNvPr id="4" name="Picture 3"/>
+          <p:cNvPr id="5" name="Picture 4"/>
           <p:cNvPicPr>
             <a:picLocks noChangeAspect="1"/>
           </p:cNvPicPr>
@@ -5813,1183 +5879,18 @@
         </p:blipFill>
         <p:spPr>
           <a:xfrm>
-            <a:off x="857547" y="0"/>
-            <a:ext cx="4761905" cy="4761905"/>
+            <a:off x="-323850" y="911690"/>
+            <a:ext cx="5753099" cy="5753099"/>
           </a:xfrm>
           <a:prstGeom prst="rect">
             <a:avLst/>
           </a:prstGeom>
         </p:spPr>
       </p:pic>
-      <p:sp>
-        <p:nvSpPr>
-          <p:cNvPr id="2" name="Title 1"/>
-          <p:cNvSpPr>
-            <a:spLocks noGrp="1"/>
-          </p:cNvSpPr>
-          <p:nvPr>
-            <p:ph type="ctrTitle"/>
-          </p:nvPr>
-        </p:nvSpPr>
-        <p:spPr/>
-        <p:txBody>
-          <a:bodyPr/>
-          <a:lstStyle/>
-          <a:p>
-            <a:r>
-              <a:rPr lang="en-US" sz="6000" b="1" dirty="0" smtClean="0"/>
-              <a:t>Flick Stick</a:t>
-            </a:r>
-            <a:endParaRPr lang="en-US" sz="6000" b="1" dirty="0"/>
-          </a:p>
-        </p:txBody>
-      </p:sp>
-      <p:sp>
-        <p:nvSpPr>
-          <p:cNvPr id="3" name="Subtitle 2"/>
-          <p:cNvSpPr>
-            <a:spLocks noGrp="1"/>
-          </p:cNvSpPr>
-          <p:nvPr>
-            <p:ph type="subTitle" idx="1"/>
-          </p:nvPr>
-        </p:nvSpPr>
-        <p:spPr/>
-        <p:txBody>
-          <a:bodyPr>
-            <a:normAutofit/>
-          </a:bodyPr>
-          <a:lstStyle/>
-          <a:p>
-            <a:r>
-              <a:rPr lang="en-US" sz="2000" dirty="0" smtClean="0"/>
-              <a:t>An Android Mobile Soccer Game</a:t>
-            </a:r>
-          </a:p>
-          <a:p>
-            <a:pPr>
-              <a:spcBef>
-                <a:spcPts val="0"/>
-              </a:spcBef>
-            </a:pPr>
-            <a:r>
-              <a:rPr lang="en-US" dirty="0" smtClean="0"/>
-              <a:t>Anthony Menjivar</a:t>
-            </a:r>
-          </a:p>
-          <a:p>
-            <a:pPr>
-              <a:spcBef>
-                <a:spcPts val="0"/>
-              </a:spcBef>
-            </a:pPr>
-            <a:r>
-              <a:rPr lang="en-US" dirty="0" smtClean="0"/>
-              <a:t>January 21, 2015</a:t>
-            </a:r>
-            <a:endParaRPr lang="en-US" dirty="0"/>
-          </a:p>
-        </p:txBody>
-      </p:sp>
     </p:spTree>
     <p:extLst>
       <p:ext uri="{BB962C8B-B14F-4D97-AF65-F5344CB8AC3E}">
         <p14:creationId xmlns:p14="http://schemas.microsoft.com/office/powerpoint/2010/main" val="1388854937"/>
-      </p:ext>
-    </p:extLst>
-  </p:cSld>
-  <p:clrMapOvr>
-    <a:masterClrMapping/>
-  </p:clrMapOvr>
-  <p:timing>
-    <p:tnLst>
-      <p:par>
-        <p:cTn id="1" dur="indefinite" restart="never" nodeType="tmRoot"/>
-      </p:par>
-    </p:tnLst>
-  </p:timing>
-</p:sld>
-</file>
-
-<file path=ppt/slides/slide10.xml><?xml version="1.0" encoding="utf-8"?>
-<p:sld xmlns:a="http://schemas.openxmlformats.org/drawingml/2006/main" xmlns:r="http://schemas.openxmlformats.org/officeDocument/2006/relationships" xmlns:p="http://schemas.openxmlformats.org/presentationml/2006/main">
-  <p:cSld>
-    <p:spTree>
-      <p:nvGrpSpPr>
-        <p:cNvPr id="1" name=""/>
-        <p:cNvGrpSpPr/>
-        <p:nvPr/>
-      </p:nvGrpSpPr>
-      <p:grpSpPr>
-        <a:xfrm>
-          <a:off x="0" y="0"/>
-          <a:ext cx="0" cy="0"/>
-          <a:chOff x="0" y="0"/>
-          <a:chExt cx="0" cy="0"/>
-        </a:xfrm>
-      </p:grpSpPr>
-      <p:sp>
-        <p:nvSpPr>
-          <p:cNvPr id="2" name="Title 1"/>
-          <p:cNvSpPr>
-            <a:spLocks noGrp="1"/>
-          </p:cNvSpPr>
-          <p:nvPr>
-            <p:ph type="title"/>
-          </p:nvPr>
-        </p:nvSpPr>
-        <p:spPr/>
-        <p:txBody>
-          <a:bodyPr/>
-          <a:lstStyle/>
-          <a:p>
-            <a:pPr algn="ctr"/>
-            <a:r>
-              <a:rPr lang="en-US" dirty="0" smtClean="0"/>
-              <a:t>Project Challenges</a:t>
-            </a:r>
-            <a:endParaRPr lang="es-SV" dirty="0"/>
-          </a:p>
-        </p:txBody>
-      </p:sp>
-      <p:sp>
-        <p:nvSpPr>
-          <p:cNvPr id="3" name="Content Placeholder 2"/>
-          <p:cNvSpPr>
-            <a:spLocks noGrp="1"/>
-          </p:cNvSpPr>
-          <p:nvPr>
-            <p:ph idx="1"/>
-          </p:nvPr>
-        </p:nvSpPr>
-        <p:spPr/>
-        <p:txBody>
-          <a:bodyPr>
-            <a:normAutofit/>
-          </a:bodyPr>
-          <a:lstStyle/>
-          <a:p>
-            <a:r>
-              <a:rPr lang="en-US" sz="2400" dirty="0" smtClean="0"/>
-              <a:t>Learning as I go</a:t>
-            </a:r>
-          </a:p>
-          <a:p>
-            <a:r>
-              <a:rPr lang="en-US" sz="2400" dirty="0" smtClean="0"/>
-              <a:t>Falling behind</a:t>
-            </a:r>
-          </a:p>
-          <a:p>
-            <a:r>
-              <a:rPr lang="en-US" sz="2400" dirty="0" smtClean="0"/>
-              <a:t>Use on different devices</a:t>
-            </a:r>
-            <a:r>
-              <a:rPr lang="es-SV" sz="2400" dirty="0" smtClean="0"/>
-              <a:t> (</a:t>
-            </a:r>
-            <a:r>
-              <a:rPr lang="es-SV" sz="2400" dirty="0" err="1" smtClean="0"/>
-              <a:t>screen</a:t>
-            </a:r>
-            <a:r>
-              <a:rPr lang="es-SV" sz="2400" dirty="0" smtClean="0"/>
-              <a:t> </a:t>
-            </a:r>
-            <a:r>
-              <a:rPr lang="es-SV" sz="2400" dirty="0" err="1" smtClean="0"/>
-              <a:t>sizes</a:t>
-            </a:r>
-            <a:r>
-              <a:rPr lang="es-SV" sz="2400" dirty="0" smtClean="0"/>
-              <a:t>)</a:t>
-            </a:r>
-          </a:p>
-          <a:p>
-            <a:r>
-              <a:rPr lang="en-US" sz="2400" dirty="0" smtClean="0"/>
-              <a:t>Android (Framework, APIs)</a:t>
-            </a:r>
-          </a:p>
-        </p:txBody>
-      </p:sp>
-    </p:spTree>
-    <p:extLst>
-      <p:ext uri="{BB962C8B-B14F-4D97-AF65-F5344CB8AC3E}">
-        <p14:creationId xmlns:p14="http://schemas.microsoft.com/office/powerpoint/2010/main" val="1849676763"/>
-      </p:ext>
-    </p:extLst>
-  </p:cSld>
-  <p:clrMapOvr>
-    <a:masterClrMapping/>
-  </p:clrMapOvr>
-  <p:timing>
-    <p:tnLst>
-      <p:par>
-        <p:cTn id="1" dur="indefinite" restart="never" nodeType="tmRoot"/>
-      </p:par>
-    </p:tnLst>
-  </p:timing>
-</p:sld>
-</file>
-
-<file path=ppt/slides/slide11.xml><?xml version="1.0" encoding="utf-8"?>
-<p:sld xmlns:a="http://schemas.openxmlformats.org/drawingml/2006/main" xmlns:r="http://schemas.openxmlformats.org/officeDocument/2006/relationships" xmlns:p="http://schemas.openxmlformats.org/presentationml/2006/main">
-  <p:cSld>
-    <p:spTree>
-      <p:nvGrpSpPr>
-        <p:cNvPr id="1" name=""/>
-        <p:cNvGrpSpPr/>
-        <p:nvPr/>
-      </p:nvGrpSpPr>
-      <p:grpSpPr>
-        <a:xfrm>
-          <a:off x="0" y="0"/>
-          <a:ext cx="0" cy="0"/>
-          <a:chOff x="0" y="0"/>
-          <a:chExt cx="0" cy="0"/>
-        </a:xfrm>
-      </p:grpSpPr>
-      <p:sp>
-        <p:nvSpPr>
-          <p:cNvPr id="2" name="Title 1"/>
-          <p:cNvSpPr>
-            <a:spLocks noGrp="1"/>
-          </p:cNvSpPr>
-          <p:nvPr>
-            <p:ph type="title"/>
-          </p:nvPr>
-        </p:nvSpPr>
-        <p:spPr>
-          <a:xfrm>
-            <a:off x="677334" y="609600"/>
-            <a:ext cx="8596668" cy="552450"/>
-          </a:xfrm>
-        </p:spPr>
-        <p:txBody>
-          <a:bodyPr>
-            <a:normAutofit fontScale="90000"/>
-          </a:bodyPr>
-          <a:lstStyle/>
-          <a:p>
-            <a:pPr algn="ctr"/>
-            <a:r>
-              <a:rPr lang="en-US" dirty="0" smtClean="0"/>
-              <a:t>Status Update</a:t>
-            </a:r>
-            <a:endParaRPr lang="en-US" dirty="0"/>
-          </a:p>
-        </p:txBody>
-      </p:sp>
-      <p:sp>
-        <p:nvSpPr>
-          <p:cNvPr id="6" name="Text Box 6"/>
-          <p:cNvSpPr txBox="1">
-            <a:spLocks noChangeArrowheads="1"/>
-          </p:cNvSpPr>
-          <p:nvPr/>
-        </p:nvSpPr>
-        <p:spPr bwMode="auto">
-          <a:xfrm>
-            <a:off x="495035" y="1560282"/>
-            <a:ext cx="2574925" cy="457200"/>
-          </a:xfrm>
-          <a:prstGeom prst="rect">
-            <a:avLst/>
-          </a:prstGeom>
-          <a:noFill/>
-          <a:ln>
-            <a:noFill/>
-          </a:ln>
-          <a:effectLst/>
-          <a:extLst>
-            <a:ext uri="{909E8E84-426E-40DD-AFC4-6F175D3DCCD1}">
-              <a14:hiddenFill xmlns:a14="http://schemas.microsoft.com/office/drawing/2010/main">
-                <a:solidFill>
-                  <a:schemeClr val="accent1"/>
-                </a:solidFill>
-              </a14:hiddenFill>
-            </a:ext>
-            <a:ext uri="{91240B29-F687-4F45-9708-019B960494DF}">
-              <a14:hiddenLine xmlns:a14="http://schemas.microsoft.com/office/drawing/2010/main" w="9525">
-                <a:solidFill>
-                  <a:schemeClr val="tx1"/>
-                </a:solidFill>
-                <a:miter lim="800000"/>
-                <a:headEnd/>
-                <a:tailEnd/>
-              </a14:hiddenLine>
-            </a:ext>
-            <a:ext uri="{AF507438-7753-43E0-B8FC-AC1667EBCBE1}">
-              <a14:hiddenEffects xmlns:a14="http://schemas.microsoft.com/office/drawing/2010/main">
-                <a:effectLst>
-                  <a:outerShdw dist="35921" dir="2700000" algn="ctr" rotWithShape="0">
-                    <a:schemeClr val="bg2"/>
-                  </a:outerShdw>
-                </a:effectLst>
-              </a14:hiddenEffects>
-            </a:ext>
-          </a:extLst>
-        </p:spPr>
-        <p:txBody>
-          <a:bodyPr wrap="none">
-            <a:spAutoFit/>
-          </a:bodyPr>
-          <a:lstStyle>
-            <a:defPPr>
-              <a:defRPr lang="en-US"/>
-            </a:defPPr>
-            <a:lvl1pPr algn="l" rtl="0" fontAlgn="base">
-              <a:spcBef>
-                <a:spcPct val="0"/>
-              </a:spcBef>
-              <a:spcAft>
-                <a:spcPct val="0"/>
-              </a:spcAft>
-              <a:defRPr kern="1200">
-                <a:solidFill>
-                  <a:schemeClr val="tx1"/>
-                </a:solidFill>
-                <a:latin typeface="Arial" panose="020B0604020202020204" pitchFamily="34" charset="0"/>
-                <a:ea typeface="+mn-ea"/>
-                <a:cs typeface="+mn-cs"/>
-              </a:defRPr>
-            </a:lvl1pPr>
-            <a:lvl2pPr marL="457200" algn="l" rtl="0" fontAlgn="base">
-              <a:spcBef>
-                <a:spcPct val="0"/>
-              </a:spcBef>
-              <a:spcAft>
-                <a:spcPct val="0"/>
-              </a:spcAft>
-              <a:defRPr kern="1200">
-                <a:solidFill>
-                  <a:schemeClr val="tx1"/>
-                </a:solidFill>
-                <a:latin typeface="Arial" panose="020B0604020202020204" pitchFamily="34" charset="0"/>
-                <a:ea typeface="+mn-ea"/>
-                <a:cs typeface="+mn-cs"/>
-              </a:defRPr>
-            </a:lvl2pPr>
-            <a:lvl3pPr marL="914400" algn="l" rtl="0" fontAlgn="base">
-              <a:spcBef>
-                <a:spcPct val="0"/>
-              </a:spcBef>
-              <a:spcAft>
-                <a:spcPct val="0"/>
-              </a:spcAft>
-              <a:defRPr kern="1200">
-                <a:solidFill>
-                  <a:schemeClr val="tx1"/>
-                </a:solidFill>
-                <a:latin typeface="Arial" panose="020B0604020202020204" pitchFamily="34" charset="0"/>
-                <a:ea typeface="+mn-ea"/>
-                <a:cs typeface="+mn-cs"/>
-              </a:defRPr>
-            </a:lvl3pPr>
-            <a:lvl4pPr marL="1371600" algn="l" rtl="0" fontAlgn="base">
-              <a:spcBef>
-                <a:spcPct val="0"/>
-              </a:spcBef>
-              <a:spcAft>
-                <a:spcPct val="0"/>
-              </a:spcAft>
-              <a:defRPr kern="1200">
-                <a:solidFill>
-                  <a:schemeClr val="tx1"/>
-                </a:solidFill>
-                <a:latin typeface="Arial" panose="020B0604020202020204" pitchFamily="34" charset="0"/>
-                <a:ea typeface="+mn-ea"/>
-                <a:cs typeface="+mn-cs"/>
-              </a:defRPr>
-            </a:lvl4pPr>
-            <a:lvl5pPr marL="1828800" algn="l" rtl="0" fontAlgn="base">
-              <a:spcBef>
-                <a:spcPct val="0"/>
-              </a:spcBef>
-              <a:spcAft>
-                <a:spcPct val="0"/>
-              </a:spcAft>
-              <a:defRPr kern="1200">
-                <a:solidFill>
-                  <a:schemeClr val="tx1"/>
-                </a:solidFill>
-                <a:latin typeface="Arial" panose="020B0604020202020204" pitchFamily="34" charset="0"/>
-                <a:ea typeface="+mn-ea"/>
-                <a:cs typeface="+mn-cs"/>
-              </a:defRPr>
-            </a:lvl5pPr>
-            <a:lvl6pPr marL="2286000" algn="l" defTabSz="914400" rtl="0" eaLnBrk="1" latinLnBrk="0" hangingPunct="1">
-              <a:defRPr kern="1200">
-                <a:solidFill>
-                  <a:schemeClr val="tx1"/>
-                </a:solidFill>
-                <a:latin typeface="Arial" panose="020B0604020202020204" pitchFamily="34" charset="0"/>
-                <a:ea typeface="+mn-ea"/>
-                <a:cs typeface="+mn-cs"/>
-              </a:defRPr>
-            </a:lvl6pPr>
-            <a:lvl7pPr marL="2743200" algn="l" defTabSz="914400" rtl="0" eaLnBrk="1" latinLnBrk="0" hangingPunct="1">
-              <a:defRPr kern="1200">
-                <a:solidFill>
-                  <a:schemeClr val="tx1"/>
-                </a:solidFill>
-                <a:latin typeface="Arial" panose="020B0604020202020204" pitchFamily="34" charset="0"/>
-                <a:ea typeface="+mn-ea"/>
-                <a:cs typeface="+mn-cs"/>
-              </a:defRPr>
-            </a:lvl7pPr>
-            <a:lvl8pPr marL="3200400" algn="l" defTabSz="914400" rtl="0" eaLnBrk="1" latinLnBrk="0" hangingPunct="1">
-              <a:defRPr kern="1200">
-                <a:solidFill>
-                  <a:schemeClr val="tx1"/>
-                </a:solidFill>
-                <a:latin typeface="Arial" panose="020B0604020202020204" pitchFamily="34" charset="0"/>
-                <a:ea typeface="+mn-ea"/>
-                <a:cs typeface="+mn-cs"/>
-              </a:defRPr>
-            </a:lvl8pPr>
-            <a:lvl9pPr marL="3657600" algn="l" defTabSz="914400" rtl="0" eaLnBrk="1" latinLnBrk="0" hangingPunct="1">
-              <a:defRPr kern="1200">
-                <a:solidFill>
-                  <a:schemeClr val="tx1"/>
-                </a:solidFill>
-                <a:latin typeface="Arial" panose="020B0604020202020204" pitchFamily="34" charset="0"/>
-                <a:ea typeface="+mn-ea"/>
-                <a:cs typeface="+mn-cs"/>
-              </a:defRPr>
-            </a:lvl9pPr>
-          </a:lstStyle>
-          <a:p>
-            <a:r>
-              <a:rPr lang="en-US" altLang="es-SV" sz="2400" dirty="0">
-                <a:solidFill>
-                  <a:srgbClr val="000080"/>
-                </a:solidFill>
-              </a:rPr>
-              <a:t>Accomplishments</a:t>
-            </a:r>
-          </a:p>
-        </p:txBody>
-      </p:sp>
-      <p:sp>
-        <p:nvSpPr>
-          <p:cNvPr id="7" name="Text Box 7"/>
-          <p:cNvSpPr txBox="1">
-            <a:spLocks noChangeArrowheads="1"/>
-          </p:cNvSpPr>
-          <p:nvPr/>
-        </p:nvSpPr>
-        <p:spPr bwMode="auto">
-          <a:xfrm>
-            <a:off x="486569" y="3924544"/>
-            <a:ext cx="955711" cy="461665"/>
-          </a:xfrm>
-          <a:prstGeom prst="rect">
-            <a:avLst/>
-          </a:prstGeom>
-          <a:noFill/>
-          <a:ln>
-            <a:noFill/>
-          </a:ln>
-          <a:effectLst/>
-          <a:extLst>
-            <a:ext uri="{909E8E84-426E-40DD-AFC4-6F175D3DCCD1}">
-              <a14:hiddenFill xmlns:a14="http://schemas.microsoft.com/office/drawing/2010/main">
-                <a:solidFill>
-                  <a:schemeClr val="accent1"/>
-                </a:solidFill>
-              </a14:hiddenFill>
-            </a:ext>
-            <a:ext uri="{91240B29-F687-4F45-9708-019B960494DF}">
-              <a14:hiddenLine xmlns:a14="http://schemas.microsoft.com/office/drawing/2010/main" w="9525">
-                <a:solidFill>
-                  <a:schemeClr val="tx1"/>
-                </a:solidFill>
-                <a:miter lim="800000"/>
-                <a:headEnd/>
-                <a:tailEnd/>
-              </a14:hiddenLine>
-            </a:ext>
-            <a:ext uri="{AF507438-7753-43E0-B8FC-AC1667EBCBE1}">
-              <a14:hiddenEffects xmlns:a14="http://schemas.microsoft.com/office/drawing/2010/main">
-                <a:effectLst>
-                  <a:outerShdw dist="35921" dir="2700000" algn="ctr" rotWithShape="0">
-                    <a:schemeClr val="bg2"/>
-                  </a:outerShdw>
-                </a:effectLst>
-              </a14:hiddenEffects>
-            </a:ext>
-          </a:extLst>
-        </p:spPr>
-        <p:txBody>
-          <a:bodyPr wrap="none">
-            <a:spAutoFit/>
-          </a:bodyPr>
-          <a:lstStyle>
-            <a:defPPr>
-              <a:defRPr lang="en-US"/>
-            </a:defPPr>
-            <a:lvl1pPr algn="l" rtl="0" fontAlgn="base">
-              <a:spcBef>
-                <a:spcPct val="0"/>
-              </a:spcBef>
-              <a:spcAft>
-                <a:spcPct val="0"/>
-              </a:spcAft>
-              <a:defRPr kern="1200">
-                <a:solidFill>
-                  <a:schemeClr val="tx1"/>
-                </a:solidFill>
-                <a:latin typeface="Arial" panose="020B0604020202020204" pitchFamily="34" charset="0"/>
-                <a:ea typeface="+mn-ea"/>
-                <a:cs typeface="+mn-cs"/>
-              </a:defRPr>
-            </a:lvl1pPr>
-            <a:lvl2pPr marL="457200" algn="l" rtl="0" fontAlgn="base">
-              <a:spcBef>
-                <a:spcPct val="0"/>
-              </a:spcBef>
-              <a:spcAft>
-                <a:spcPct val="0"/>
-              </a:spcAft>
-              <a:defRPr kern="1200">
-                <a:solidFill>
-                  <a:schemeClr val="tx1"/>
-                </a:solidFill>
-                <a:latin typeface="Arial" panose="020B0604020202020204" pitchFamily="34" charset="0"/>
-                <a:ea typeface="+mn-ea"/>
-                <a:cs typeface="+mn-cs"/>
-              </a:defRPr>
-            </a:lvl2pPr>
-            <a:lvl3pPr marL="914400" algn="l" rtl="0" fontAlgn="base">
-              <a:spcBef>
-                <a:spcPct val="0"/>
-              </a:spcBef>
-              <a:spcAft>
-                <a:spcPct val="0"/>
-              </a:spcAft>
-              <a:defRPr kern="1200">
-                <a:solidFill>
-                  <a:schemeClr val="tx1"/>
-                </a:solidFill>
-                <a:latin typeface="Arial" panose="020B0604020202020204" pitchFamily="34" charset="0"/>
-                <a:ea typeface="+mn-ea"/>
-                <a:cs typeface="+mn-cs"/>
-              </a:defRPr>
-            </a:lvl3pPr>
-            <a:lvl4pPr marL="1371600" algn="l" rtl="0" fontAlgn="base">
-              <a:spcBef>
-                <a:spcPct val="0"/>
-              </a:spcBef>
-              <a:spcAft>
-                <a:spcPct val="0"/>
-              </a:spcAft>
-              <a:defRPr kern="1200">
-                <a:solidFill>
-                  <a:schemeClr val="tx1"/>
-                </a:solidFill>
-                <a:latin typeface="Arial" panose="020B0604020202020204" pitchFamily="34" charset="0"/>
-                <a:ea typeface="+mn-ea"/>
-                <a:cs typeface="+mn-cs"/>
-              </a:defRPr>
-            </a:lvl4pPr>
-            <a:lvl5pPr marL="1828800" algn="l" rtl="0" fontAlgn="base">
-              <a:spcBef>
-                <a:spcPct val="0"/>
-              </a:spcBef>
-              <a:spcAft>
-                <a:spcPct val="0"/>
-              </a:spcAft>
-              <a:defRPr kern="1200">
-                <a:solidFill>
-                  <a:schemeClr val="tx1"/>
-                </a:solidFill>
-                <a:latin typeface="Arial" panose="020B0604020202020204" pitchFamily="34" charset="0"/>
-                <a:ea typeface="+mn-ea"/>
-                <a:cs typeface="+mn-cs"/>
-              </a:defRPr>
-            </a:lvl5pPr>
-            <a:lvl6pPr marL="2286000" algn="l" defTabSz="914400" rtl="0" eaLnBrk="1" latinLnBrk="0" hangingPunct="1">
-              <a:defRPr kern="1200">
-                <a:solidFill>
-                  <a:schemeClr val="tx1"/>
-                </a:solidFill>
-                <a:latin typeface="Arial" panose="020B0604020202020204" pitchFamily="34" charset="0"/>
-                <a:ea typeface="+mn-ea"/>
-                <a:cs typeface="+mn-cs"/>
-              </a:defRPr>
-            </a:lvl6pPr>
-            <a:lvl7pPr marL="2743200" algn="l" defTabSz="914400" rtl="0" eaLnBrk="1" latinLnBrk="0" hangingPunct="1">
-              <a:defRPr kern="1200">
-                <a:solidFill>
-                  <a:schemeClr val="tx1"/>
-                </a:solidFill>
-                <a:latin typeface="Arial" panose="020B0604020202020204" pitchFamily="34" charset="0"/>
-                <a:ea typeface="+mn-ea"/>
-                <a:cs typeface="+mn-cs"/>
-              </a:defRPr>
-            </a:lvl7pPr>
-            <a:lvl8pPr marL="3200400" algn="l" defTabSz="914400" rtl="0" eaLnBrk="1" latinLnBrk="0" hangingPunct="1">
-              <a:defRPr kern="1200">
-                <a:solidFill>
-                  <a:schemeClr val="tx1"/>
-                </a:solidFill>
-                <a:latin typeface="Arial" panose="020B0604020202020204" pitchFamily="34" charset="0"/>
-                <a:ea typeface="+mn-ea"/>
-                <a:cs typeface="+mn-cs"/>
-              </a:defRPr>
-            </a:lvl8pPr>
-            <a:lvl9pPr marL="3657600" algn="l" defTabSz="914400" rtl="0" eaLnBrk="1" latinLnBrk="0" hangingPunct="1">
-              <a:defRPr kern="1200">
-                <a:solidFill>
-                  <a:schemeClr val="tx1"/>
-                </a:solidFill>
-                <a:latin typeface="Arial" panose="020B0604020202020204" pitchFamily="34" charset="0"/>
-                <a:ea typeface="+mn-ea"/>
-                <a:cs typeface="+mn-cs"/>
-              </a:defRPr>
-            </a:lvl9pPr>
-          </a:lstStyle>
-          <a:p>
-            <a:r>
-              <a:rPr lang="en-US" altLang="es-SV" sz="2400" dirty="0" smtClean="0">
-                <a:solidFill>
-                  <a:srgbClr val="000080"/>
-                </a:solidFill>
-              </a:rPr>
-              <a:t>Plans</a:t>
-            </a:r>
-            <a:endParaRPr lang="en-US" altLang="es-SV" sz="2400" dirty="0">
-              <a:solidFill>
-                <a:srgbClr val="000080"/>
-              </a:solidFill>
-            </a:endParaRPr>
-          </a:p>
-        </p:txBody>
-      </p:sp>
-      <p:sp>
-        <p:nvSpPr>
-          <p:cNvPr id="12" name="Text Box 12"/>
-          <p:cNvSpPr txBox="1">
-            <a:spLocks noChangeArrowheads="1"/>
-          </p:cNvSpPr>
-          <p:nvPr/>
-        </p:nvSpPr>
-        <p:spPr bwMode="auto">
-          <a:xfrm>
-            <a:off x="495035" y="2311526"/>
-            <a:ext cx="8961265" cy="1323439"/>
-          </a:xfrm>
-          <a:prstGeom prst="rect">
-            <a:avLst/>
-          </a:prstGeom>
-          <a:noFill/>
-          <a:ln>
-            <a:noFill/>
-          </a:ln>
-          <a:effectLst/>
-          <a:extLst>
-            <a:ext uri="{909E8E84-426E-40DD-AFC4-6F175D3DCCD1}">
-              <a14:hiddenFill xmlns:a14="http://schemas.microsoft.com/office/drawing/2010/main">
-                <a:solidFill>
-                  <a:schemeClr val="accent1"/>
-                </a:solidFill>
-              </a14:hiddenFill>
-            </a:ext>
-            <a:ext uri="{91240B29-F687-4F45-9708-019B960494DF}">
-              <a14:hiddenLine xmlns:a14="http://schemas.microsoft.com/office/drawing/2010/main" w="9525">
-                <a:solidFill>
-                  <a:schemeClr val="tx1"/>
-                </a:solidFill>
-                <a:miter lim="800000"/>
-                <a:headEnd/>
-                <a:tailEnd/>
-              </a14:hiddenLine>
-            </a:ext>
-            <a:ext uri="{AF507438-7753-43E0-B8FC-AC1667EBCBE1}">
-              <a14:hiddenEffects xmlns:a14="http://schemas.microsoft.com/office/drawing/2010/main">
-                <a:effectLst>
-                  <a:outerShdw dist="35921" dir="2700000" algn="ctr" rotWithShape="0">
-                    <a:schemeClr val="bg2"/>
-                  </a:outerShdw>
-                </a:effectLst>
-              </a14:hiddenEffects>
-            </a:ext>
-          </a:extLst>
-        </p:spPr>
-        <p:txBody>
-          <a:bodyPr wrap="square">
-            <a:spAutoFit/>
-          </a:bodyPr>
-          <a:lstStyle>
-            <a:defPPr>
-              <a:defRPr lang="en-US"/>
-            </a:defPPr>
-            <a:lvl1pPr algn="l" rtl="0" fontAlgn="base">
-              <a:spcBef>
-                <a:spcPct val="0"/>
-              </a:spcBef>
-              <a:spcAft>
-                <a:spcPct val="0"/>
-              </a:spcAft>
-              <a:defRPr kern="1200">
-                <a:solidFill>
-                  <a:schemeClr val="tx1"/>
-                </a:solidFill>
-                <a:latin typeface="Arial" panose="020B0604020202020204" pitchFamily="34" charset="0"/>
-                <a:ea typeface="+mn-ea"/>
-                <a:cs typeface="+mn-cs"/>
-              </a:defRPr>
-            </a:lvl1pPr>
-            <a:lvl2pPr marL="457200" algn="l" rtl="0" fontAlgn="base">
-              <a:spcBef>
-                <a:spcPct val="0"/>
-              </a:spcBef>
-              <a:spcAft>
-                <a:spcPct val="0"/>
-              </a:spcAft>
-              <a:defRPr kern="1200">
-                <a:solidFill>
-                  <a:schemeClr val="tx1"/>
-                </a:solidFill>
-                <a:latin typeface="Arial" panose="020B0604020202020204" pitchFamily="34" charset="0"/>
-                <a:ea typeface="+mn-ea"/>
-                <a:cs typeface="+mn-cs"/>
-              </a:defRPr>
-            </a:lvl2pPr>
-            <a:lvl3pPr marL="914400" algn="l" rtl="0" fontAlgn="base">
-              <a:spcBef>
-                <a:spcPct val="0"/>
-              </a:spcBef>
-              <a:spcAft>
-                <a:spcPct val="0"/>
-              </a:spcAft>
-              <a:defRPr kern="1200">
-                <a:solidFill>
-                  <a:schemeClr val="tx1"/>
-                </a:solidFill>
-                <a:latin typeface="Arial" panose="020B0604020202020204" pitchFamily="34" charset="0"/>
-                <a:ea typeface="+mn-ea"/>
-                <a:cs typeface="+mn-cs"/>
-              </a:defRPr>
-            </a:lvl3pPr>
-            <a:lvl4pPr marL="1371600" algn="l" rtl="0" fontAlgn="base">
-              <a:spcBef>
-                <a:spcPct val="0"/>
-              </a:spcBef>
-              <a:spcAft>
-                <a:spcPct val="0"/>
-              </a:spcAft>
-              <a:defRPr kern="1200">
-                <a:solidFill>
-                  <a:schemeClr val="tx1"/>
-                </a:solidFill>
-                <a:latin typeface="Arial" panose="020B0604020202020204" pitchFamily="34" charset="0"/>
-                <a:ea typeface="+mn-ea"/>
-                <a:cs typeface="+mn-cs"/>
-              </a:defRPr>
-            </a:lvl4pPr>
-            <a:lvl5pPr marL="1828800" algn="l" rtl="0" fontAlgn="base">
-              <a:spcBef>
-                <a:spcPct val="0"/>
-              </a:spcBef>
-              <a:spcAft>
-                <a:spcPct val="0"/>
-              </a:spcAft>
-              <a:defRPr kern="1200">
-                <a:solidFill>
-                  <a:schemeClr val="tx1"/>
-                </a:solidFill>
-                <a:latin typeface="Arial" panose="020B0604020202020204" pitchFamily="34" charset="0"/>
-                <a:ea typeface="+mn-ea"/>
-                <a:cs typeface="+mn-cs"/>
-              </a:defRPr>
-            </a:lvl5pPr>
-            <a:lvl6pPr marL="2286000" algn="l" defTabSz="914400" rtl="0" eaLnBrk="1" latinLnBrk="0" hangingPunct="1">
-              <a:defRPr kern="1200">
-                <a:solidFill>
-                  <a:schemeClr val="tx1"/>
-                </a:solidFill>
-                <a:latin typeface="Arial" panose="020B0604020202020204" pitchFamily="34" charset="0"/>
-                <a:ea typeface="+mn-ea"/>
-                <a:cs typeface="+mn-cs"/>
-              </a:defRPr>
-            </a:lvl6pPr>
-            <a:lvl7pPr marL="2743200" algn="l" defTabSz="914400" rtl="0" eaLnBrk="1" latinLnBrk="0" hangingPunct="1">
-              <a:defRPr kern="1200">
-                <a:solidFill>
-                  <a:schemeClr val="tx1"/>
-                </a:solidFill>
-                <a:latin typeface="Arial" panose="020B0604020202020204" pitchFamily="34" charset="0"/>
-                <a:ea typeface="+mn-ea"/>
-                <a:cs typeface="+mn-cs"/>
-              </a:defRPr>
-            </a:lvl7pPr>
-            <a:lvl8pPr marL="3200400" algn="l" defTabSz="914400" rtl="0" eaLnBrk="1" latinLnBrk="0" hangingPunct="1">
-              <a:defRPr kern="1200">
-                <a:solidFill>
-                  <a:schemeClr val="tx1"/>
-                </a:solidFill>
-                <a:latin typeface="Arial" panose="020B0604020202020204" pitchFamily="34" charset="0"/>
-                <a:ea typeface="+mn-ea"/>
-                <a:cs typeface="+mn-cs"/>
-              </a:defRPr>
-            </a:lvl8pPr>
-            <a:lvl9pPr marL="3657600" algn="l" defTabSz="914400" rtl="0" eaLnBrk="1" latinLnBrk="0" hangingPunct="1">
-              <a:defRPr kern="1200">
-                <a:solidFill>
-                  <a:schemeClr val="tx1"/>
-                </a:solidFill>
-                <a:latin typeface="Arial" panose="020B0604020202020204" pitchFamily="34" charset="0"/>
-                <a:ea typeface="+mn-ea"/>
-                <a:cs typeface="+mn-cs"/>
-              </a:defRPr>
-            </a:lvl9pPr>
-          </a:lstStyle>
-          <a:p>
-            <a:pPr>
-              <a:buFontTx/>
-              <a:buChar char="•"/>
-            </a:pPr>
-            <a:r>
-              <a:rPr lang="en-US" altLang="es-SV" sz="2000" dirty="0" smtClean="0">
-                <a:latin typeface="+mn-lt"/>
-              </a:rPr>
-              <a:t>Load Application onto Nexus 5 Phone</a:t>
-            </a:r>
-          </a:p>
-          <a:p>
-            <a:pPr>
-              <a:buFontTx/>
-              <a:buChar char="•"/>
-            </a:pPr>
-            <a:r>
-              <a:rPr lang="en-US" altLang="es-SV" sz="2000" dirty="0" smtClean="0">
-                <a:latin typeface="+mn-lt"/>
-              </a:rPr>
-              <a:t>Coded the games framework on Android</a:t>
-            </a:r>
-          </a:p>
-          <a:p>
-            <a:pPr>
-              <a:buFontTx/>
-              <a:buChar char="•"/>
-            </a:pPr>
-            <a:r>
-              <a:rPr lang="en-US" altLang="es-SV" sz="2000" dirty="0" smtClean="0">
-                <a:latin typeface="+mn-lt"/>
-              </a:rPr>
-              <a:t>Finished all game sounds</a:t>
-            </a:r>
-          </a:p>
-          <a:p>
-            <a:pPr>
-              <a:buFontTx/>
-              <a:buChar char="•"/>
-            </a:pPr>
-            <a:r>
-              <a:rPr lang="en-US" altLang="es-SV" sz="2000" dirty="0" smtClean="0">
-                <a:latin typeface="+mn-lt"/>
-              </a:rPr>
-              <a:t>Began coding game activities &amp; States</a:t>
-            </a:r>
-            <a:endParaRPr lang="en-US" altLang="es-SV" sz="2000" dirty="0">
-              <a:latin typeface="+mn-lt"/>
-            </a:endParaRPr>
-          </a:p>
-        </p:txBody>
-      </p:sp>
-      <p:sp>
-        <p:nvSpPr>
-          <p:cNvPr id="13" name="Text Box 13"/>
-          <p:cNvSpPr txBox="1">
-            <a:spLocks noChangeArrowheads="1"/>
-          </p:cNvSpPr>
-          <p:nvPr/>
-        </p:nvSpPr>
-        <p:spPr bwMode="auto">
-          <a:xfrm>
-            <a:off x="466725" y="4495800"/>
-            <a:ext cx="8807277" cy="1015663"/>
-          </a:xfrm>
-          <a:prstGeom prst="rect">
-            <a:avLst/>
-          </a:prstGeom>
-          <a:noFill/>
-          <a:ln>
-            <a:noFill/>
-          </a:ln>
-          <a:effectLst/>
-          <a:extLst>
-            <a:ext uri="{909E8E84-426E-40DD-AFC4-6F175D3DCCD1}">
-              <a14:hiddenFill xmlns:a14="http://schemas.microsoft.com/office/drawing/2010/main">
-                <a:solidFill>
-                  <a:schemeClr val="accent1"/>
-                </a:solidFill>
-              </a14:hiddenFill>
-            </a:ext>
-            <a:ext uri="{91240B29-F687-4F45-9708-019B960494DF}">
-              <a14:hiddenLine xmlns:a14="http://schemas.microsoft.com/office/drawing/2010/main" w="9525">
-                <a:solidFill>
-                  <a:schemeClr val="tx1"/>
-                </a:solidFill>
-                <a:miter lim="800000"/>
-                <a:headEnd/>
-                <a:tailEnd/>
-              </a14:hiddenLine>
-            </a:ext>
-            <a:ext uri="{AF507438-7753-43E0-B8FC-AC1667EBCBE1}">
-              <a14:hiddenEffects xmlns:a14="http://schemas.microsoft.com/office/drawing/2010/main">
-                <a:effectLst>
-                  <a:outerShdw dist="35921" dir="2700000" algn="ctr" rotWithShape="0">
-                    <a:schemeClr val="bg2"/>
-                  </a:outerShdw>
-                </a:effectLst>
-              </a14:hiddenEffects>
-            </a:ext>
-          </a:extLst>
-        </p:spPr>
-        <p:txBody>
-          <a:bodyPr wrap="square">
-            <a:spAutoFit/>
-          </a:bodyPr>
-          <a:lstStyle>
-            <a:defPPr>
-              <a:defRPr lang="en-US"/>
-            </a:defPPr>
-            <a:lvl1pPr algn="l" rtl="0" fontAlgn="base">
-              <a:spcBef>
-                <a:spcPct val="0"/>
-              </a:spcBef>
-              <a:spcAft>
-                <a:spcPct val="0"/>
-              </a:spcAft>
-              <a:defRPr kern="1200">
-                <a:solidFill>
-                  <a:schemeClr val="tx1"/>
-                </a:solidFill>
-                <a:latin typeface="Arial" panose="020B0604020202020204" pitchFamily="34" charset="0"/>
-                <a:ea typeface="+mn-ea"/>
-                <a:cs typeface="+mn-cs"/>
-              </a:defRPr>
-            </a:lvl1pPr>
-            <a:lvl2pPr marL="457200" algn="l" rtl="0" fontAlgn="base">
-              <a:spcBef>
-                <a:spcPct val="0"/>
-              </a:spcBef>
-              <a:spcAft>
-                <a:spcPct val="0"/>
-              </a:spcAft>
-              <a:defRPr kern="1200">
-                <a:solidFill>
-                  <a:schemeClr val="tx1"/>
-                </a:solidFill>
-                <a:latin typeface="Arial" panose="020B0604020202020204" pitchFamily="34" charset="0"/>
-                <a:ea typeface="+mn-ea"/>
-                <a:cs typeface="+mn-cs"/>
-              </a:defRPr>
-            </a:lvl2pPr>
-            <a:lvl3pPr marL="914400" algn="l" rtl="0" fontAlgn="base">
-              <a:spcBef>
-                <a:spcPct val="0"/>
-              </a:spcBef>
-              <a:spcAft>
-                <a:spcPct val="0"/>
-              </a:spcAft>
-              <a:defRPr kern="1200">
-                <a:solidFill>
-                  <a:schemeClr val="tx1"/>
-                </a:solidFill>
-                <a:latin typeface="Arial" panose="020B0604020202020204" pitchFamily="34" charset="0"/>
-                <a:ea typeface="+mn-ea"/>
-                <a:cs typeface="+mn-cs"/>
-              </a:defRPr>
-            </a:lvl3pPr>
-            <a:lvl4pPr marL="1371600" algn="l" rtl="0" fontAlgn="base">
-              <a:spcBef>
-                <a:spcPct val="0"/>
-              </a:spcBef>
-              <a:spcAft>
-                <a:spcPct val="0"/>
-              </a:spcAft>
-              <a:defRPr kern="1200">
-                <a:solidFill>
-                  <a:schemeClr val="tx1"/>
-                </a:solidFill>
-                <a:latin typeface="Arial" panose="020B0604020202020204" pitchFamily="34" charset="0"/>
-                <a:ea typeface="+mn-ea"/>
-                <a:cs typeface="+mn-cs"/>
-              </a:defRPr>
-            </a:lvl4pPr>
-            <a:lvl5pPr marL="1828800" algn="l" rtl="0" fontAlgn="base">
-              <a:spcBef>
-                <a:spcPct val="0"/>
-              </a:spcBef>
-              <a:spcAft>
-                <a:spcPct val="0"/>
-              </a:spcAft>
-              <a:defRPr kern="1200">
-                <a:solidFill>
-                  <a:schemeClr val="tx1"/>
-                </a:solidFill>
-                <a:latin typeface="Arial" panose="020B0604020202020204" pitchFamily="34" charset="0"/>
-                <a:ea typeface="+mn-ea"/>
-                <a:cs typeface="+mn-cs"/>
-              </a:defRPr>
-            </a:lvl5pPr>
-            <a:lvl6pPr marL="2286000" algn="l" defTabSz="914400" rtl="0" eaLnBrk="1" latinLnBrk="0" hangingPunct="1">
-              <a:defRPr kern="1200">
-                <a:solidFill>
-                  <a:schemeClr val="tx1"/>
-                </a:solidFill>
-                <a:latin typeface="Arial" panose="020B0604020202020204" pitchFamily="34" charset="0"/>
-                <a:ea typeface="+mn-ea"/>
-                <a:cs typeface="+mn-cs"/>
-              </a:defRPr>
-            </a:lvl6pPr>
-            <a:lvl7pPr marL="2743200" algn="l" defTabSz="914400" rtl="0" eaLnBrk="1" latinLnBrk="0" hangingPunct="1">
-              <a:defRPr kern="1200">
-                <a:solidFill>
-                  <a:schemeClr val="tx1"/>
-                </a:solidFill>
-                <a:latin typeface="Arial" panose="020B0604020202020204" pitchFamily="34" charset="0"/>
-                <a:ea typeface="+mn-ea"/>
-                <a:cs typeface="+mn-cs"/>
-              </a:defRPr>
-            </a:lvl7pPr>
-            <a:lvl8pPr marL="3200400" algn="l" defTabSz="914400" rtl="0" eaLnBrk="1" latinLnBrk="0" hangingPunct="1">
-              <a:defRPr kern="1200">
-                <a:solidFill>
-                  <a:schemeClr val="tx1"/>
-                </a:solidFill>
-                <a:latin typeface="Arial" panose="020B0604020202020204" pitchFamily="34" charset="0"/>
-                <a:ea typeface="+mn-ea"/>
-                <a:cs typeface="+mn-cs"/>
-              </a:defRPr>
-            </a:lvl8pPr>
-            <a:lvl9pPr marL="3657600" algn="l" defTabSz="914400" rtl="0" eaLnBrk="1" latinLnBrk="0" hangingPunct="1">
-              <a:defRPr kern="1200">
-                <a:solidFill>
-                  <a:schemeClr val="tx1"/>
-                </a:solidFill>
-                <a:latin typeface="Arial" panose="020B0604020202020204" pitchFamily="34" charset="0"/>
-                <a:ea typeface="+mn-ea"/>
-                <a:cs typeface="+mn-cs"/>
-              </a:defRPr>
-            </a:lvl9pPr>
-          </a:lstStyle>
-          <a:p>
-            <a:pPr>
-              <a:buFontTx/>
-              <a:buChar char="•"/>
-            </a:pPr>
-            <a:r>
-              <a:rPr lang="en-US" altLang="es-SV" sz="2000" dirty="0" smtClean="0">
-                <a:latin typeface="+mn-lt"/>
-              </a:rPr>
-              <a:t>Finish development of all graphics &amp; sprites</a:t>
-            </a:r>
-          </a:p>
-          <a:p>
-            <a:pPr>
-              <a:buFontTx/>
-              <a:buChar char="•"/>
-            </a:pPr>
-            <a:r>
-              <a:rPr lang="en-US" altLang="es-SV" sz="2000" dirty="0" smtClean="0">
-                <a:latin typeface="+mn-lt"/>
-              </a:rPr>
-              <a:t>Finish Game Framework on Android</a:t>
-            </a:r>
-          </a:p>
-          <a:p>
-            <a:pPr>
-              <a:buFontTx/>
-              <a:buChar char="•"/>
-            </a:pPr>
-            <a:r>
-              <a:rPr lang="en-US" altLang="es-SV" sz="2000" dirty="0" smtClean="0">
-                <a:latin typeface="+mn-lt"/>
-              </a:rPr>
-              <a:t>Research mirroring game on multiple phones/Connecting game to network</a:t>
-            </a:r>
-          </a:p>
-        </p:txBody>
-      </p:sp>
-    </p:spTree>
-    <p:extLst>
-      <p:ext uri="{BB962C8B-B14F-4D97-AF65-F5344CB8AC3E}">
-        <p14:creationId xmlns:p14="http://schemas.microsoft.com/office/powerpoint/2010/main" val="133876077"/>
-      </p:ext>
-    </p:extLst>
-  </p:cSld>
-  <p:clrMapOvr>
-    <a:masterClrMapping/>
-  </p:clrMapOvr>
-  <p:timing>
-    <p:tnLst>
-      <p:par>
-        <p:cTn id="1" dur="indefinite" restart="never" nodeType="tmRoot"/>
-      </p:par>
-    </p:tnLst>
-  </p:timing>
-</p:sld>
-</file>
-
-<file path=ppt/slides/slide12.xml><?xml version="1.0" encoding="utf-8"?>
-<p:sld xmlns:a="http://schemas.openxmlformats.org/drawingml/2006/main" xmlns:r="http://schemas.openxmlformats.org/officeDocument/2006/relationships" xmlns:p="http://schemas.openxmlformats.org/presentationml/2006/main">
-  <p:cSld>
-    <p:spTree>
-      <p:nvGrpSpPr>
-        <p:cNvPr id="1" name=""/>
-        <p:cNvGrpSpPr/>
-        <p:nvPr/>
-      </p:nvGrpSpPr>
-      <p:grpSpPr>
-        <a:xfrm>
-          <a:off x="0" y="0"/>
-          <a:ext cx="0" cy="0"/>
-          <a:chOff x="0" y="0"/>
-          <a:chExt cx="0" cy="0"/>
-        </a:xfrm>
-      </p:grpSpPr>
-      <p:sp>
-        <p:nvSpPr>
-          <p:cNvPr id="2" name="Title 1"/>
-          <p:cNvSpPr>
-            <a:spLocks noGrp="1"/>
-          </p:cNvSpPr>
-          <p:nvPr>
-            <p:ph type="title"/>
-          </p:nvPr>
-        </p:nvSpPr>
-        <p:spPr>
-          <a:xfrm>
-            <a:off x="753534" y="2895600"/>
-            <a:ext cx="8596668" cy="1320800"/>
-          </a:xfrm>
-        </p:spPr>
-        <p:txBody>
-          <a:bodyPr>
-            <a:normAutofit/>
-          </a:bodyPr>
-          <a:lstStyle/>
-          <a:p>
-            <a:pPr algn="ctr"/>
-            <a:r>
-              <a:rPr lang="en-US" sz="7200" dirty="0" smtClean="0"/>
-              <a:t>Thank You!</a:t>
-            </a:r>
-            <a:endParaRPr lang="en-US" sz="7200" dirty="0"/>
-          </a:p>
-        </p:txBody>
-      </p:sp>
-    </p:spTree>
-    <p:extLst>
-      <p:ext uri="{BB962C8B-B14F-4D97-AF65-F5344CB8AC3E}">
-        <p14:creationId xmlns:p14="http://schemas.microsoft.com/office/powerpoint/2010/main" val="2713488986"/>
       </p:ext>
     </p:extLst>
   </p:cSld>
@@ -7113,8 +6014,21 @@
             <a:pPr lvl="1"/>
             <a:r>
               <a:rPr lang="en-US" sz="2000" dirty="0"/>
-              <a:t>2 players (1v1, 1vRobot, 1vOnline)</a:t>
-            </a:r>
+              <a:t>2 players (1v1, </a:t>
+            </a:r>
+            <a:r>
+              <a:rPr lang="en-US" sz="2000" dirty="0" smtClean="0"/>
+              <a:t>1vRobot</a:t>
+            </a:r>
+            <a:r>
+              <a:rPr lang="en-US" sz="2000" dirty="0" smtClean="0"/>
+              <a:t>, Tournament</a:t>
+            </a:r>
+            <a:r>
+              <a:rPr lang="en-US" sz="2000" dirty="0" smtClean="0"/>
+              <a:t>)</a:t>
+            </a:r>
+            <a:endParaRPr lang="en-US" sz="2000" dirty="0"/>
           </a:p>
           <a:p>
             <a:pPr lvl="1"/>
@@ -7154,7 +6068,7 @@
       </p:sp>
       <p:pic>
         <p:nvPicPr>
-          <p:cNvPr id="5" name="Picture 4"/>
+          <p:cNvPr id="4" name="Picture 3"/>
           <p:cNvPicPr>
             <a:picLocks noChangeAspect="1"/>
           </p:cNvPicPr>
@@ -7174,10 +6088,10 @@
         </p:blipFill>
         <p:spPr>
           <a:xfrm>
-            <a:off x="6189396" y="1390650"/>
-            <a:ext cx="2648310" cy="5180412"/>
+            <a:off x="5524500" y="1828800"/>
+            <a:ext cx="5410200" cy="4057650"/>
           </a:xfrm>
-          <a:prstGeom prst="flowChartAlternateProcess">
+          <a:prstGeom prst="rect">
             <a:avLst/>
           </a:prstGeom>
         </p:spPr>
@@ -7462,131 +6376,46 @@
             <p:ph type="title"/>
           </p:nvPr>
         </p:nvSpPr>
-        <p:spPr/>
-        <p:txBody>
-          <a:bodyPr/>
-          <a:lstStyle/>
-          <a:p>
-            <a:pPr algn="ctr"/>
-            <a:r>
-              <a:rPr lang="en-US" dirty="0" smtClean="0"/>
-              <a:t>Scenario</a:t>
-            </a:r>
-            <a:endParaRPr lang="es-SV" dirty="0"/>
-          </a:p>
-        </p:txBody>
-      </p:sp>
-      <p:sp>
-        <p:nvSpPr>
-          <p:cNvPr id="3" name="Content Placeholder 2"/>
-          <p:cNvSpPr>
-            <a:spLocks noGrp="1"/>
-          </p:cNvSpPr>
-          <p:nvPr>
-            <p:ph idx="1"/>
-          </p:nvPr>
-        </p:nvSpPr>
         <p:spPr>
           <a:xfrm>
-            <a:off x="677334" y="1181101"/>
-            <a:ext cx="8596668" cy="4841212"/>
+            <a:off x="677334" y="2996075"/>
+            <a:ext cx="8596668" cy="1104900"/>
           </a:xfrm>
         </p:spPr>
         <p:txBody>
-          <a:bodyPr>
-            <a:normAutofit/>
-          </a:bodyPr>
-          <a:lstStyle/>
-          <a:p>
-            <a:r>
-              <a:rPr lang="en-US" sz="2000" dirty="0" smtClean="0"/>
-              <a:t>User is bored</a:t>
-            </a:r>
-          </a:p>
-          <a:p>
-            <a:r>
-              <a:rPr lang="en-US" sz="2000" dirty="0" smtClean="0"/>
-              <a:t>User Takes out unlocks phone</a:t>
-            </a:r>
-          </a:p>
-          <a:p>
-            <a:r>
-              <a:rPr lang="en-US" sz="2000" dirty="0" smtClean="0"/>
-              <a:t>User Opens Game</a:t>
-            </a:r>
-          </a:p>
-          <a:p>
-            <a:r>
-              <a:rPr lang="en-US" sz="2000" dirty="0" smtClean="0"/>
-              <a:t>Game shows Menu</a:t>
-            </a:r>
-            <a:r>
-              <a:rPr lang="es-SV" sz="2000" dirty="0" smtClean="0"/>
-              <a:t> </a:t>
-            </a:r>
-          </a:p>
-          <a:p>
-            <a:r>
-              <a:rPr lang="en-US" sz="2000" dirty="0" smtClean="0"/>
-              <a:t>User chooses Robot</a:t>
-            </a:r>
-          </a:p>
-          <a:p>
-            <a:r>
-              <a:rPr lang="en-US" sz="2000" dirty="0" smtClean="0"/>
-              <a:t>User chooses difficulty</a:t>
-            </a:r>
-          </a:p>
-          <a:p>
-            <a:r>
-              <a:rPr lang="en-US" sz="2000" dirty="0" smtClean="0"/>
-              <a:t>Game Prompts</a:t>
-            </a:r>
-          </a:p>
-          <a:p>
-            <a:r>
-              <a:rPr lang="en-US" sz="2000" dirty="0" smtClean="0"/>
-              <a:t>User Flicks Ball to Start </a:t>
-            </a:r>
-            <a:r>
-              <a:rPr lang="en-US" sz="2000" dirty="0" smtClean="0"/>
-              <a:t>play</a:t>
-            </a:r>
-          </a:p>
-          <a:p>
-            <a:r>
-              <a:rPr lang="en-US" sz="2000" dirty="0" smtClean="0"/>
-              <a:t>Game </a:t>
-            </a:r>
-            <a:r>
-              <a:rPr lang="en-US" sz="2000" dirty="0" smtClean="0"/>
-              <a:t>continues and User Wins</a:t>
-            </a:r>
-          </a:p>
-          <a:p>
-            <a:r>
-              <a:rPr lang="en-US" sz="2000" dirty="0" smtClean="0"/>
-              <a:t>User goes back to menu</a:t>
-            </a:r>
-          </a:p>
-          <a:p>
-            <a:r>
-              <a:rPr lang="en-US" sz="2000" dirty="0" smtClean="0"/>
-              <a:t>User exits game</a:t>
-            </a:r>
+          <a:bodyPr/>
+          <a:lstStyle/>
+          <a:p>
+            <a:pPr algn="ctr"/>
+            <a:r>
+              <a:rPr lang="en-US" dirty="0" smtClean="0"/>
+              <a:t>Screen </a:t>
+            </a:r>
+            <a:r>
+              <a:rPr lang="en-US" dirty="0" smtClean="0"/>
+              <a:t>Shots/Demo</a:t>
+            </a:r>
+            <a:endParaRPr lang="en-US" dirty="0"/>
           </a:p>
         </p:txBody>
       </p:sp>
     </p:spTree>
     <p:extLst>
       <p:ext uri="{BB962C8B-B14F-4D97-AF65-F5344CB8AC3E}">
-        <p14:creationId xmlns:p14="http://schemas.microsoft.com/office/powerpoint/2010/main" val="3288445087"/>
+        <p14:creationId xmlns:p14="http://schemas.microsoft.com/office/powerpoint/2010/main" val="538000889"/>
       </p:ext>
     </p:extLst>
   </p:cSld>
   <p:clrMapOvr>
     <a:masterClrMapping/>
   </p:clrMapOvr>
+  <p:timing>
+    <p:tnLst>
+      <p:par>
+        <p:cTn id="1" dur="indefinite" restart="never" nodeType="tmRoot"/>
+      </p:par>
+    </p:tnLst>
+  </p:timing>
 </p:sld>
 </file>
 
@@ -7617,12 +6446,7 @@
             <p:ph type="title"/>
           </p:nvPr>
         </p:nvSpPr>
-        <p:spPr>
-          <a:xfrm>
-            <a:off x="677334" y="609600"/>
-            <a:ext cx="8596668" cy="819150"/>
-          </a:xfrm>
-        </p:spPr>
+        <p:spPr/>
         <p:txBody>
           <a:bodyPr/>
           <a:lstStyle/>
@@ -7630,7 +6454,7 @@
             <a:pPr algn="ctr"/>
             <a:r>
               <a:rPr lang="en-US" dirty="0" smtClean="0"/>
-              <a:t>Use Case Diagram</a:t>
+              <a:t>Project Challenges</a:t>
             </a:r>
             <a:endParaRPr lang="es-SV" dirty="0"/>
           </a:p>
@@ -7638,764 +6462,81 @@
       </p:sp>
       <p:sp>
         <p:nvSpPr>
-          <p:cNvPr id="4" name="Smiley Face 3"/>
-          <p:cNvSpPr/>
-          <p:nvPr/>
-        </p:nvSpPr>
-        <p:spPr>
-          <a:xfrm>
-            <a:off x="343959" y="1666875"/>
-            <a:ext cx="666750" cy="628650"/>
-          </a:xfrm>
-          <a:prstGeom prst="smileyFace">
-            <a:avLst/>
-          </a:prstGeom>
-        </p:spPr>
-        <p:style>
-          <a:lnRef idx="2">
-            <a:schemeClr val="accent1">
-              <a:shade val="50000"/>
-            </a:schemeClr>
-          </a:lnRef>
-          <a:fillRef idx="1">
-            <a:schemeClr val="accent1"/>
-          </a:fillRef>
-          <a:effectRef idx="0">
-            <a:schemeClr val="accent1"/>
-          </a:effectRef>
-          <a:fontRef idx="minor">
-            <a:schemeClr val="lt1"/>
-          </a:fontRef>
-        </p:style>
-        <p:txBody>
-          <a:bodyPr rtlCol="0" anchor="ctr"/>
-          <a:lstStyle/>
-          <a:p>
-            <a:pPr algn="ctr"/>
-            <a:endParaRPr lang="es-SV"/>
-          </a:p>
-        </p:txBody>
-      </p:sp>
-      <p:sp>
-        <p:nvSpPr>
-          <p:cNvPr id="6" name="TextBox 5"/>
-          <p:cNvSpPr txBox="1"/>
-          <p:nvPr/>
-        </p:nvSpPr>
-        <p:spPr>
-          <a:xfrm>
-            <a:off x="315384" y="3213437"/>
-            <a:ext cx="1390650" cy="369332"/>
-          </a:xfrm>
-          <a:prstGeom prst="rect">
-            <a:avLst/>
-          </a:prstGeom>
-          <a:noFill/>
-          <a:ln>
-            <a:solidFill>
-              <a:schemeClr val="accent1">
-                <a:lumMod val="75000"/>
-              </a:schemeClr>
-            </a:solidFill>
-          </a:ln>
-        </p:spPr>
-        <p:txBody>
-          <a:bodyPr wrap="square" rtlCol="0">
-            <a:spAutoFit/>
+          <p:cNvPr id="3" name="Content Placeholder 2"/>
+          <p:cNvSpPr>
+            <a:spLocks noGrp="1"/>
+          </p:cNvSpPr>
+          <p:nvPr>
+            <p:ph idx="1"/>
+          </p:nvPr>
+        </p:nvSpPr>
+        <p:spPr/>
+        <p:txBody>
+          <a:bodyPr>
+            <a:normAutofit/>
           </a:bodyPr>
           <a:lstStyle/>
           <a:p>
             <a:r>
-              <a:rPr lang="en-US" dirty="0" smtClean="0"/>
-              <a:t>Open Game</a:t>
-            </a:r>
-            <a:endParaRPr lang="es-SV" dirty="0"/>
-          </a:p>
-        </p:txBody>
-      </p:sp>
-      <p:sp>
-        <p:nvSpPr>
-          <p:cNvPr id="8" name="TextBox 7"/>
-          <p:cNvSpPr txBox="1"/>
-          <p:nvPr/>
-        </p:nvSpPr>
-        <p:spPr>
-          <a:xfrm>
-            <a:off x="1734609" y="4496395"/>
-            <a:ext cx="1981200" cy="369332"/>
-          </a:xfrm>
-          <a:prstGeom prst="rect">
-            <a:avLst/>
-          </a:prstGeom>
-          <a:noFill/>
-          <a:ln>
-            <a:solidFill>
-              <a:schemeClr val="accent1">
-                <a:lumMod val="75000"/>
-              </a:schemeClr>
-            </a:solidFill>
-          </a:ln>
-        </p:spPr>
-        <p:txBody>
-          <a:bodyPr wrap="square" rtlCol="0">
-            <a:spAutoFit/>
-          </a:bodyPr>
-          <a:lstStyle/>
-          <a:p>
-            <a:r>
-              <a:rPr lang="en-US" dirty="0" smtClean="0"/>
-              <a:t>Select Play Robot</a:t>
-            </a:r>
-            <a:endParaRPr lang="es-SV" dirty="0"/>
-          </a:p>
-        </p:txBody>
-      </p:sp>
-      <p:sp>
-        <p:nvSpPr>
-          <p:cNvPr id="9" name="TextBox 8"/>
-          <p:cNvSpPr txBox="1"/>
-          <p:nvPr/>
-        </p:nvSpPr>
-        <p:spPr>
-          <a:xfrm>
-            <a:off x="4819650" y="2838063"/>
-            <a:ext cx="1543050" cy="923330"/>
-          </a:xfrm>
-          <a:prstGeom prst="rect">
-            <a:avLst/>
-          </a:prstGeom>
-          <a:noFill/>
-          <a:ln>
-            <a:solidFill>
-              <a:schemeClr val="accent1">
-                <a:lumMod val="75000"/>
-              </a:schemeClr>
-            </a:solidFill>
-          </a:ln>
-        </p:spPr>
-        <p:txBody>
-          <a:bodyPr wrap="square" rtlCol="0">
-            <a:spAutoFit/>
-          </a:bodyPr>
-          <a:lstStyle/>
-          <a:p>
-            <a:r>
-              <a:rPr lang="en-US" dirty="0" smtClean="0"/>
-              <a:t>Play Game/Flicks Ball</a:t>
-            </a:r>
-            <a:endParaRPr lang="es-SV" dirty="0"/>
-          </a:p>
-        </p:txBody>
-      </p:sp>
-      <p:sp>
-        <p:nvSpPr>
-          <p:cNvPr id="10" name="TextBox 9"/>
-          <p:cNvSpPr txBox="1"/>
-          <p:nvPr/>
-        </p:nvSpPr>
-        <p:spPr>
-          <a:xfrm>
-            <a:off x="5829300" y="4496395"/>
-            <a:ext cx="1562100" cy="646331"/>
-          </a:xfrm>
-          <a:prstGeom prst="rect">
-            <a:avLst/>
-          </a:prstGeom>
-          <a:noFill/>
-          <a:ln>
-            <a:solidFill>
-              <a:schemeClr val="accent1">
-                <a:lumMod val="75000"/>
-              </a:schemeClr>
-            </a:solidFill>
-          </a:ln>
-        </p:spPr>
-        <p:txBody>
-          <a:bodyPr wrap="square" rtlCol="0">
-            <a:spAutoFit/>
-          </a:bodyPr>
-          <a:lstStyle/>
-          <a:p>
-            <a:r>
-              <a:rPr lang="en-US" dirty="0" smtClean="0"/>
-              <a:t>Player Wins or loses</a:t>
-            </a:r>
-            <a:endParaRPr lang="es-SV" dirty="0"/>
-          </a:p>
-        </p:txBody>
-      </p:sp>
-      <p:sp>
-        <p:nvSpPr>
-          <p:cNvPr id="11" name="TextBox 10"/>
-          <p:cNvSpPr txBox="1"/>
-          <p:nvPr/>
-        </p:nvSpPr>
-        <p:spPr>
-          <a:xfrm>
-            <a:off x="7239000" y="3421618"/>
-            <a:ext cx="1524000" cy="369332"/>
-          </a:xfrm>
-          <a:prstGeom prst="rect">
-            <a:avLst/>
-          </a:prstGeom>
-          <a:noFill/>
-          <a:ln>
-            <a:solidFill>
-              <a:schemeClr val="accent1">
-                <a:lumMod val="75000"/>
-              </a:schemeClr>
-            </a:solidFill>
-          </a:ln>
-        </p:spPr>
-        <p:txBody>
-          <a:bodyPr wrap="square" rtlCol="0">
-            <a:spAutoFit/>
-          </a:bodyPr>
-          <a:lstStyle/>
-          <a:p>
-            <a:r>
-              <a:rPr lang="en-US" dirty="0" smtClean="0"/>
-              <a:t>Play Again</a:t>
-            </a:r>
-            <a:endParaRPr lang="es-SV" dirty="0"/>
-          </a:p>
-        </p:txBody>
-      </p:sp>
-      <p:sp>
-        <p:nvSpPr>
-          <p:cNvPr id="13" name="TextBox 12"/>
-          <p:cNvSpPr txBox="1"/>
-          <p:nvPr/>
-        </p:nvSpPr>
-        <p:spPr>
-          <a:xfrm>
-            <a:off x="8597727" y="4496395"/>
-            <a:ext cx="1352550" cy="646331"/>
-          </a:xfrm>
-          <a:prstGeom prst="rect">
-            <a:avLst/>
-          </a:prstGeom>
-          <a:noFill/>
-          <a:ln>
-            <a:solidFill>
-              <a:schemeClr val="accent1">
-                <a:lumMod val="75000"/>
-              </a:schemeClr>
-            </a:solidFill>
-          </a:ln>
-        </p:spPr>
-        <p:txBody>
-          <a:bodyPr wrap="square" rtlCol="0">
-            <a:spAutoFit/>
-          </a:bodyPr>
-          <a:lstStyle/>
-          <a:p>
-            <a:r>
-              <a:rPr lang="en-US" dirty="0" smtClean="0"/>
-              <a:t>Terminates Game</a:t>
-            </a:r>
-            <a:endParaRPr lang="es-SV" dirty="0"/>
-          </a:p>
-        </p:txBody>
-      </p:sp>
-      <p:sp>
-        <p:nvSpPr>
-          <p:cNvPr id="14" name="TextBox 13"/>
-          <p:cNvSpPr txBox="1"/>
-          <p:nvPr/>
-        </p:nvSpPr>
-        <p:spPr>
-          <a:xfrm>
-            <a:off x="343959" y="4286250"/>
-            <a:ext cx="728084" cy="369332"/>
-          </a:xfrm>
-          <a:prstGeom prst="rect">
-            <a:avLst/>
-          </a:prstGeom>
-          <a:noFill/>
-          <a:ln>
-            <a:solidFill>
-              <a:schemeClr val="accent1">
-                <a:lumMod val="75000"/>
-              </a:schemeClr>
-            </a:solidFill>
-          </a:ln>
-        </p:spPr>
-        <p:txBody>
-          <a:bodyPr wrap="none" rtlCol="0">
-            <a:spAutoFit/>
-          </a:bodyPr>
-          <a:lstStyle/>
-          <a:p>
-            <a:r>
-              <a:rPr lang="en-US" dirty="0" smtClean="0"/>
-              <a:t>Menu</a:t>
-            </a:r>
-            <a:endParaRPr lang="es-SV" dirty="0"/>
-          </a:p>
-        </p:txBody>
-      </p:sp>
-      <p:sp>
-        <p:nvSpPr>
-          <p:cNvPr id="15" name="TextBox 14"/>
-          <p:cNvSpPr txBox="1"/>
-          <p:nvPr/>
-        </p:nvSpPr>
-        <p:spPr>
-          <a:xfrm>
-            <a:off x="5719563" y="5848171"/>
-            <a:ext cx="1767087" cy="369332"/>
-          </a:xfrm>
-          <a:prstGeom prst="rect">
-            <a:avLst/>
-          </a:prstGeom>
-          <a:noFill/>
-          <a:ln>
-            <a:solidFill>
-              <a:schemeClr val="accent1">
-                <a:lumMod val="75000"/>
-              </a:schemeClr>
-            </a:solidFill>
-          </a:ln>
-        </p:spPr>
-        <p:txBody>
-          <a:bodyPr wrap="none" rtlCol="0">
-            <a:spAutoFit/>
-          </a:bodyPr>
-          <a:lstStyle/>
-          <a:p>
-            <a:r>
-              <a:rPr lang="en-US" dirty="0" smtClean="0"/>
-              <a:t>Return to Menu</a:t>
-            </a:r>
-            <a:endParaRPr lang="es-SV" dirty="0"/>
-          </a:p>
-        </p:txBody>
-      </p:sp>
-      <p:cxnSp>
-        <p:nvCxnSpPr>
-          <p:cNvPr id="21" name="Straight Arrow Connector 20"/>
-          <p:cNvCxnSpPr>
-            <a:endCxn id="14" idx="0"/>
-          </p:cNvCxnSpPr>
-          <p:nvPr/>
-        </p:nvCxnSpPr>
-        <p:spPr>
-          <a:xfrm>
-            <a:off x="708001" y="3606284"/>
-            <a:ext cx="0" cy="679966"/>
-          </a:xfrm>
-          <a:prstGeom prst="straightConnector1">
-            <a:avLst/>
-          </a:prstGeom>
-          <a:ln>
-            <a:tailEnd type="triangle"/>
-          </a:ln>
-        </p:spPr>
-        <p:style>
-          <a:lnRef idx="1">
-            <a:schemeClr val="accent1"/>
-          </a:lnRef>
-          <a:fillRef idx="0">
-            <a:schemeClr val="accent1"/>
-          </a:fillRef>
-          <a:effectRef idx="0">
-            <a:schemeClr val="accent1"/>
-          </a:effectRef>
-          <a:fontRef idx="minor">
-            <a:schemeClr val="tx1"/>
-          </a:fontRef>
-        </p:style>
-      </p:cxnSp>
-      <p:cxnSp>
-        <p:nvCxnSpPr>
-          <p:cNvPr id="23" name="Straight Arrow Connector 22"/>
-          <p:cNvCxnSpPr>
-            <a:stCxn id="14" idx="3"/>
-            <a:endCxn id="8" idx="1"/>
-          </p:cNvCxnSpPr>
-          <p:nvPr/>
-        </p:nvCxnSpPr>
-        <p:spPr>
-          <a:xfrm>
-            <a:off x="1072043" y="4470916"/>
-            <a:ext cx="662566" cy="210145"/>
-          </a:xfrm>
-          <a:prstGeom prst="straightConnector1">
-            <a:avLst/>
-          </a:prstGeom>
-          <a:ln>
-            <a:tailEnd type="triangle"/>
-          </a:ln>
-        </p:spPr>
-        <p:style>
-          <a:lnRef idx="1">
-            <a:schemeClr val="accent1"/>
-          </a:lnRef>
-          <a:fillRef idx="0">
-            <a:schemeClr val="accent1"/>
-          </a:fillRef>
-          <a:effectRef idx="0">
-            <a:schemeClr val="accent1"/>
-          </a:effectRef>
-          <a:fontRef idx="minor">
-            <a:schemeClr val="tx1"/>
-          </a:fontRef>
-        </p:style>
-      </p:cxnSp>
-      <p:cxnSp>
-        <p:nvCxnSpPr>
-          <p:cNvPr id="25" name="Straight Arrow Connector 24"/>
-          <p:cNvCxnSpPr>
-            <a:stCxn id="8" idx="0"/>
-          </p:cNvCxnSpPr>
-          <p:nvPr/>
-        </p:nvCxnSpPr>
-        <p:spPr>
-          <a:xfrm flipV="1">
-            <a:off x="2725209" y="3698617"/>
-            <a:ext cx="210609" cy="797778"/>
-          </a:xfrm>
-          <a:prstGeom prst="straightConnector1">
-            <a:avLst/>
-          </a:prstGeom>
-          <a:ln>
-            <a:tailEnd type="triangle"/>
-          </a:ln>
-        </p:spPr>
-        <p:style>
-          <a:lnRef idx="1">
-            <a:schemeClr val="accent1"/>
-          </a:lnRef>
-          <a:fillRef idx="0">
-            <a:schemeClr val="accent1"/>
-          </a:fillRef>
-          <a:effectRef idx="0">
-            <a:schemeClr val="accent1"/>
-          </a:effectRef>
-          <a:fontRef idx="minor">
-            <a:schemeClr val="tx1"/>
-          </a:fontRef>
-        </p:style>
-      </p:cxnSp>
-      <p:cxnSp>
-        <p:nvCxnSpPr>
-          <p:cNvPr id="27" name="Straight Arrow Connector 26"/>
-          <p:cNvCxnSpPr/>
-          <p:nvPr/>
-        </p:nvCxnSpPr>
-        <p:spPr>
-          <a:xfrm>
-            <a:off x="5719563" y="3786872"/>
-            <a:ext cx="109737" cy="709523"/>
-          </a:xfrm>
-          <a:prstGeom prst="straightConnector1">
-            <a:avLst/>
-          </a:prstGeom>
-          <a:ln>
-            <a:tailEnd type="triangle"/>
-          </a:ln>
-        </p:spPr>
-        <p:style>
-          <a:lnRef idx="1">
-            <a:schemeClr val="accent1"/>
-          </a:lnRef>
-          <a:fillRef idx="0">
-            <a:schemeClr val="accent1"/>
-          </a:fillRef>
-          <a:effectRef idx="0">
-            <a:schemeClr val="accent1"/>
-          </a:effectRef>
-          <a:fontRef idx="minor">
-            <a:schemeClr val="tx1"/>
-          </a:fontRef>
-        </p:style>
-      </p:cxnSp>
-      <p:cxnSp>
-        <p:nvCxnSpPr>
-          <p:cNvPr id="29" name="Straight Arrow Connector 28"/>
-          <p:cNvCxnSpPr/>
-          <p:nvPr/>
-        </p:nvCxnSpPr>
-        <p:spPr>
-          <a:xfrm flipV="1">
-            <a:off x="7239000" y="3790950"/>
-            <a:ext cx="300702" cy="675888"/>
-          </a:xfrm>
-          <a:prstGeom prst="straightConnector1">
-            <a:avLst/>
-          </a:prstGeom>
-          <a:ln>
-            <a:tailEnd type="triangle"/>
-          </a:ln>
-        </p:spPr>
-        <p:style>
-          <a:lnRef idx="1">
-            <a:schemeClr val="accent1"/>
-          </a:lnRef>
-          <a:fillRef idx="0">
-            <a:schemeClr val="accent1"/>
-          </a:fillRef>
-          <a:effectRef idx="0">
-            <a:schemeClr val="accent1"/>
-          </a:effectRef>
-          <a:fontRef idx="minor">
-            <a:schemeClr val="tx1"/>
-          </a:fontRef>
-        </p:style>
-      </p:cxnSp>
-      <p:cxnSp>
-        <p:nvCxnSpPr>
-          <p:cNvPr id="31" name="Straight Arrow Connector 30"/>
-          <p:cNvCxnSpPr>
-            <a:stCxn id="11" idx="1"/>
-          </p:cNvCxnSpPr>
-          <p:nvPr/>
-        </p:nvCxnSpPr>
-        <p:spPr>
-          <a:xfrm flipH="1" flipV="1">
-            <a:off x="6362700" y="3544424"/>
-            <a:ext cx="876300" cy="61860"/>
-          </a:xfrm>
-          <a:prstGeom prst="straightConnector1">
-            <a:avLst/>
-          </a:prstGeom>
-          <a:ln>
-            <a:tailEnd type="triangle"/>
-          </a:ln>
-        </p:spPr>
-        <p:style>
-          <a:lnRef idx="1">
-            <a:schemeClr val="accent1"/>
-          </a:lnRef>
-          <a:fillRef idx="0">
-            <a:schemeClr val="accent1"/>
-          </a:fillRef>
-          <a:effectRef idx="0">
-            <a:schemeClr val="accent1"/>
-          </a:effectRef>
-          <a:fontRef idx="minor">
-            <a:schemeClr val="tx1"/>
-          </a:fontRef>
-        </p:style>
-      </p:cxnSp>
-      <p:cxnSp>
-        <p:nvCxnSpPr>
-          <p:cNvPr id="33" name="Straight Arrow Connector 32"/>
-          <p:cNvCxnSpPr>
-            <a:stCxn id="4" idx="4"/>
-          </p:cNvCxnSpPr>
-          <p:nvPr/>
-        </p:nvCxnSpPr>
-        <p:spPr>
-          <a:xfrm>
-            <a:off x="677334" y="2295525"/>
-            <a:ext cx="0" cy="917912"/>
-          </a:xfrm>
-          <a:prstGeom prst="straightConnector1">
-            <a:avLst/>
-          </a:prstGeom>
-          <a:ln>
-            <a:tailEnd type="triangle"/>
-          </a:ln>
-        </p:spPr>
-        <p:style>
-          <a:lnRef idx="1">
-            <a:schemeClr val="accent1"/>
-          </a:lnRef>
-          <a:fillRef idx="0">
-            <a:schemeClr val="accent1"/>
-          </a:fillRef>
-          <a:effectRef idx="0">
-            <a:schemeClr val="accent1"/>
-          </a:effectRef>
-          <a:fontRef idx="minor">
-            <a:schemeClr val="tx1"/>
-          </a:fontRef>
-        </p:style>
-      </p:cxnSp>
-      <p:cxnSp>
-        <p:nvCxnSpPr>
-          <p:cNvPr id="35" name="Straight Arrow Connector 34"/>
-          <p:cNvCxnSpPr>
-            <a:stCxn id="10" idx="3"/>
-          </p:cNvCxnSpPr>
-          <p:nvPr/>
-        </p:nvCxnSpPr>
-        <p:spPr>
-          <a:xfrm>
-            <a:off x="7391400" y="4819561"/>
-            <a:ext cx="1206327" cy="46166"/>
-          </a:xfrm>
-          <a:prstGeom prst="straightConnector1">
-            <a:avLst/>
-          </a:prstGeom>
-          <a:ln>
-            <a:tailEnd type="triangle"/>
-          </a:ln>
-        </p:spPr>
-        <p:style>
-          <a:lnRef idx="1">
-            <a:schemeClr val="accent1"/>
-          </a:lnRef>
-          <a:fillRef idx="0">
-            <a:schemeClr val="accent1"/>
-          </a:fillRef>
-          <a:effectRef idx="0">
-            <a:schemeClr val="accent1"/>
-          </a:effectRef>
-          <a:fontRef idx="minor">
-            <a:schemeClr val="tx1"/>
-          </a:fontRef>
-        </p:style>
-      </p:cxnSp>
-      <p:cxnSp>
-        <p:nvCxnSpPr>
-          <p:cNvPr id="37" name="Straight Arrow Connector 36"/>
-          <p:cNvCxnSpPr>
-            <a:stCxn id="10" idx="2"/>
-            <a:endCxn id="15" idx="0"/>
-          </p:cNvCxnSpPr>
-          <p:nvPr/>
-        </p:nvCxnSpPr>
-        <p:spPr>
-          <a:xfrm flipH="1">
-            <a:off x="6603107" y="5142726"/>
-            <a:ext cx="7243" cy="705445"/>
-          </a:xfrm>
-          <a:prstGeom prst="straightConnector1">
-            <a:avLst/>
-          </a:prstGeom>
-          <a:ln>
-            <a:tailEnd type="triangle"/>
-          </a:ln>
-        </p:spPr>
-        <p:style>
-          <a:lnRef idx="1">
-            <a:schemeClr val="accent1"/>
-          </a:lnRef>
-          <a:fillRef idx="0">
-            <a:schemeClr val="accent1"/>
-          </a:fillRef>
-          <a:effectRef idx="0">
-            <a:schemeClr val="accent1"/>
-          </a:effectRef>
-          <a:fontRef idx="minor">
-            <a:schemeClr val="tx1"/>
-          </a:fontRef>
-        </p:style>
-      </p:cxnSp>
-      <p:cxnSp>
-        <p:nvCxnSpPr>
-          <p:cNvPr id="39" name="Straight Arrow Connector 38"/>
-          <p:cNvCxnSpPr>
-            <a:stCxn id="15" idx="1"/>
-          </p:cNvCxnSpPr>
-          <p:nvPr/>
-        </p:nvCxnSpPr>
-        <p:spPr>
-          <a:xfrm flipH="1" flipV="1">
-            <a:off x="533400" y="4681061"/>
-            <a:ext cx="5186163" cy="1351776"/>
-          </a:xfrm>
-          <a:prstGeom prst="straightConnector1">
-            <a:avLst/>
-          </a:prstGeom>
-          <a:ln>
-            <a:tailEnd type="triangle"/>
-          </a:ln>
-        </p:spPr>
-        <p:style>
-          <a:lnRef idx="1">
-            <a:schemeClr val="accent1"/>
-          </a:lnRef>
-          <a:fillRef idx="0">
-            <a:schemeClr val="accent1"/>
-          </a:fillRef>
-          <a:effectRef idx="0">
-            <a:schemeClr val="accent1"/>
-          </a:effectRef>
-          <a:fontRef idx="minor">
-            <a:schemeClr val="tx1"/>
-          </a:fontRef>
-        </p:style>
-      </p:cxnSp>
-      <p:sp>
-        <p:nvSpPr>
-          <p:cNvPr id="44" name="TextBox 43"/>
-          <p:cNvSpPr txBox="1"/>
-          <p:nvPr/>
-        </p:nvSpPr>
-        <p:spPr>
-          <a:xfrm>
-            <a:off x="2070076" y="3329285"/>
-            <a:ext cx="2032929" cy="369332"/>
-          </a:xfrm>
-          <a:prstGeom prst="rect">
-            <a:avLst/>
-          </a:prstGeom>
-          <a:noFill/>
-          <a:ln>
-            <a:solidFill>
-              <a:schemeClr val="accent1">
-                <a:lumMod val="75000"/>
-              </a:schemeClr>
-            </a:solidFill>
-          </a:ln>
-        </p:spPr>
-        <p:txBody>
-          <a:bodyPr wrap="none" rtlCol="0">
-            <a:spAutoFit/>
-          </a:bodyPr>
-          <a:lstStyle/>
-          <a:p>
-            <a:r>
-              <a:rPr lang="en-US" dirty="0" smtClean="0"/>
-              <a:t>Chooses Difficulty</a:t>
-            </a:r>
-          </a:p>
-        </p:txBody>
-      </p:sp>
-      <p:cxnSp>
-        <p:nvCxnSpPr>
-          <p:cNvPr id="47" name="Straight Arrow Connector 46"/>
-          <p:cNvCxnSpPr>
-            <a:stCxn id="44" idx="3"/>
-            <a:endCxn id="9" idx="1"/>
-          </p:cNvCxnSpPr>
-          <p:nvPr/>
-        </p:nvCxnSpPr>
-        <p:spPr>
-          <a:xfrm flipV="1">
-            <a:off x="4103005" y="3299728"/>
-            <a:ext cx="716645" cy="214223"/>
-          </a:xfrm>
-          <a:prstGeom prst="straightConnector1">
-            <a:avLst/>
-          </a:prstGeom>
-          <a:ln>
-            <a:tailEnd type="triangle"/>
-          </a:ln>
-        </p:spPr>
-        <p:style>
-          <a:lnRef idx="1">
-            <a:schemeClr val="accent1"/>
-          </a:lnRef>
-          <a:fillRef idx="0">
-            <a:schemeClr val="accent1"/>
-          </a:fillRef>
-          <a:effectRef idx="0">
-            <a:schemeClr val="accent1"/>
-          </a:effectRef>
-          <a:fontRef idx="minor">
-            <a:schemeClr val="tx1"/>
-          </a:fontRef>
-        </p:style>
-      </p:cxnSp>
+              <a:rPr lang="en-US" sz="2400" dirty="0" smtClean="0"/>
+              <a:t>Learning as I go</a:t>
+            </a:r>
+          </a:p>
+          <a:p>
+            <a:r>
+              <a:rPr lang="en-US" sz="2400" dirty="0" smtClean="0"/>
+              <a:t>Falling behind</a:t>
+            </a:r>
+          </a:p>
+          <a:p>
+            <a:r>
+              <a:rPr lang="en-US" sz="2400" dirty="0" smtClean="0"/>
+              <a:t>Use on different devices</a:t>
+            </a:r>
+            <a:r>
+              <a:rPr lang="es-SV" sz="2400" dirty="0" smtClean="0"/>
+              <a:t> (</a:t>
+            </a:r>
+            <a:r>
+              <a:rPr lang="es-SV" sz="2400" dirty="0" err="1" smtClean="0"/>
+              <a:t>screen</a:t>
+            </a:r>
+            <a:r>
+              <a:rPr lang="es-SV" sz="2400" dirty="0" smtClean="0"/>
+              <a:t> </a:t>
+            </a:r>
+            <a:r>
+              <a:rPr lang="es-SV" sz="2400" dirty="0" err="1" smtClean="0"/>
+              <a:t>sizes</a:t>
+            </a:r>
+            <a:r>
+              <a:rPr lang="es-SV" sz="2400" dirty="0" smtClean="0"/>
+              <a:t>)</a:t>
+            </a:r>
+          </a:p>
+          <a:p>
+            <a:r>
+              <a:rPr lang="en-US" sz="2400" dirty="0" smtClean="0"/>
+              <a:t>Android (Framework, APIs</a:t>
+            </a:r>
+            <a:r>
+              <a:rPr lang="en-US" sz="2400" dirty="0" smtClean="0"/>
+              <a:t>)</a:t>
+            </a:r>
+          </a:p>
+          <a:p>
+            <a:r>
+              <a:rPr lang="en-US" sz="2400" dirty="0" smtClean="0"/>
+              <a:t>Cleaning up Code</a:t>
+            </a:r>
+            <a:endParaRPr lang="en-US" sz="2400" dirty="0" smtClean="0"/>
+          </a:p>
+        </p:txBody>
+      </p:sp>
     </p:spTree>
     <p:extLst>
       <p:ext uri="{BB962C8B-B14F-4D97-AF65-F5344CB8AC3E}">
-        <p14:creationId xmlns:p14="http://schemas.microsoft.com/office/powerpoint/2010/main" val="3183432150"/>
+        <p14:creationId xmlns:p14="http://schemas.microsoft.com/office/powerpoint/2010/main" val="1849676763"/>
       </p:ext>
     </p:extLst>
   </p:cSld>
@@ -8442,115 +6583,888 @@
         <p:spPr>
           <a:xfrm>
             <a:off x="677334" y="609600"/>
-            <a:ext cx="8596668" cy="723900"/>
+            <a:ext cx="8596668" cy="552450"/>
           </a:xfrm>
         </p:spPr>
         <p:txBody>
-          <a:bodyPr/>
+          <a:bodyPr>
+            <a:normAutofit fontScale="90000"/>
+          </a:bodyPr>
           <a:lstStyle/>
           <a:p>
             <a:pPr algn="ctr"/>
             <a:r>
               <a:rPr lang="en-US" dirty="0" smtClean="0"/>
-              <a:t>Screen Shots</a:t>
-            </a:r>
-            <a:endParaRPr lang="en-US" dirty="0"/>
-          </a:p>
-        </p:txBody>
-      </p:sp>
-      <p:pic>
-        <p:nvPicPr>
-          <p:cNvPr id="5" name="Content Placeholder 4"/>
-          <p:cNvPicPr>
-            <a:picLocks noGrp="1" noChangeAspect="1"/>
-          </p:cNvPicPr>
-          <p:nvPr>
-            <p:ph idx="1"/>
-          </p:nvPr>
-        </p:nvPicPr>
-        <p:blipFill>
-          <a:blip r:embed="rId2">
-            <a:extLst>
-              <a:ext uri="{28A0092B-C50C-407E-A947-70E740481C1C}">
-                <a14:useLocalDpi xmlns:a14="http://schemas.microsoft.com/office/drawing/2010/main" val="0"/>
-              </a:ext>
-            </a:extLst>
-          </a:blip>
-          <a:stretch>
-            <a:fillRect/>
-          </a:stretch>
-        </p:blipFill>
-        <p:spPr>
+              <a:t>Status Update</a:t>
+            </a:r>
+            <a:endParaRPr lang="en-US" dirty="0"/>
+          </a:p>
+        </p:txBody>
+      </p:sp>
+      <p:sp>
+        <p:nvSpPr>
+          <p:cNvPr id="6" name="Text Box 6"/>
+          <p:cNvSpPr txBox="1">
+            <a:spLocks noChangeArrowheads="1"/>
+          </p:cNvSpPr>
+          <p:nvPr/>
+        </p:nvSpPr>
+        <p:spPr bwMode="auto">
           <a:xfrm>
-            <a:off x="677334" y="1466849"/>
-            <a:ext cx="2614993" cy="5115243"/>
-          </a:xfrm>
-        </p:spPr>
-      </p:pic>
-      <p:pic>
-        <p:nvPicPr>
-          <p:cNvPr id="6" name="Picture 5"/>
-          <p:cNvPicPr>
-            <a:picLocks noChangeAspect="1"/>
-          </p:cNvPicPr>
-          <p:nvPr/>
-        </p:nvPicPr>
-        <p:blipFill>
-          <a:blip r:embed="rId3">
-            <a:extLst>
-              <a:ext uri="{28A0092B-C50C-407E-A947-70E740481C1C}">
-                <a14:useLocalDpi xmlns:a14="http://schemas.microsoft.com/office/drawing/2010/main" val="0"/>
-              </a:ext>
-            </a:extLst>
-          </a:blip>
-          <a:stretch>
-            <a:fillRect/>
-          </a:stretch>
-        </p:blipFill>
-        <p:spPr>
-          <a:xfrm>
-            <a:off x="3657556" y="1466848"/>
-            <a:ext cx="2636224" cy="5115243"/>
+            <a:off x="495035" y="1560282"/>
+            <a:ext cx="2574925" cy="457200"/>
           </a:xfrm>
           <a:prstGeom prst="rect">
             <a:avLst/>
           </a:prstGeom>
+          <a:noFill/>
+          <a:ln>
+            <a:noFill/>
+          </a:ln>
+          <a:effectLst/>
+          <a:extLst>
+            <a:ext uri="{909E8E84-426E-40DD-AFC4-6F175D3DCCD1}">
+              <a14:hiddenFill xmlns:a14="http://schemas.microsoft.com/office/drawing/2010/main">
+                <a:solidFill>
+                  <a:schemeClr val="accent1"/>
+                </a:solidFill>
+              </a14:hiddenFill>
+            </a:ext>
+            <a:ext uri="{91240B29-F687-4F45-9708-019B960494DF}">
+              <a14:hiddenLine xmlns:a14="http://schemas.microsoft.com/office/drawing/2010/main" w="9525">
+                <a:solidFill>
+                  <a:schemeClr val="tx1"/>
+                </a:solidFill>
+                <a:miter lim="800000"/>
+                <a:headEnd/>
+                <a:tailEnd/>
+              </a14:hiddenLine>
+            </a:ext>
+            <a:ext uri="{AF507438-7753-43E0-B8FC-AC1667EBCBE1}">
+              <a14:hiddenEffects xmlns:a14="http://schemas.microsoft.com/office/drawing/2010/main">
+                <a:effectLst>
+                  <a:outerShdw dist="35921" dir="2700000" algn="ctr" rotWithShape="0">
+                    <a:schemeClr val="bg2"/>
+                  </a:outerShdw>
+                </a:effectLst>
+              </a14:hiddenEffects>
+            </a:ext>
+          </a:extLst>
         </p:spPr>
-      </p:pic>
-      <p:pic>
-        <p:nvPicPr>
-          <p:cNvPr id="7" name="Picture 6"/>
-          <p:cNvPicPr>
-            <a:picLocks noChangeAspect="1"/>
-          </p:cNvPicPr>
+        <p:txBody>
+          <a:bodyPr wrap="none">
+            <a:spAutoFit/>
+          </a:bodyPr>
+          <a:lstStyle>
+            <a:defPPr>
+              <a:defRPr lang="en-US"/>
+            </a:defPPr>
+            <a:lvl1pPr algn="l" rtl="0" fontAlgn="base">
+              <a:spcBef>
+                <a:spcPct val="0"/>
+              </a:spcBef>
+              <a:spcAft>
+                <a:spcPct val="0"/>
+              </a:spcAft>
+              <a:defRPr kern="1200">
+                <a:solidFill>
+                  <a:schemeClr val="tx1"/>
+                </a:solidFill>
+                <a:latin typeface="Arial" panose="020B0604020202020204" pitchFamily="34" charset="0"/>
+                <a:ea typeface="+mn-ea"/>
+                <a:cs typeface="+mn-cs"/>
+              </a:defRPr>
+            </a:lvl1pPr>
+            <a:lvl2pPr marL="457200" algn="l" rtl="0" fontAlgn="base">
+              <a:spcBef>
+                <a:spcPct val="0"/>
+              </a:spcBef>
+              <a:spcAft>
+                <a:spcPct val="0"/>
+              </a:spcAft>
+              <a:defRPr kern="1200">
+                <a:solidFill>
+                  <a:schemeClr val="tx1"/>
+                </a:solidFill>
+                <a:latin typeface="Arial" panose="020B0604020202020204" pitchFamily="34" charset="0"/>
+                <a:ea typeface="+mn-ea"/>
+                <a:cs typeface="+mn-cs"/>
+              </a:defRPr>
+            </a:lvl2pPr>
+            <a:lvl3pPr marL="914400" algn="l" rtl="0" fontAlgn="base">
+              <a:spcBef>
+                <a:spcPct val="0"/>
+              </a:spcBef>
+              <a:spcAft>
+                <a:spcPct val="0"/>
+              </a:spcAft>
+              <a:defRPr kern="1200">
+                <a:solidFill>
+                  <a:schemeClr val="tx1"/>
+                </a:solidFill>
+                <a:latin typeface="Arial" panose="020B0604020202020204" pitchFamily="34" charset="0"/>
+                <a:ea typeface="+mn-ea"/>
+                <a:cs typeface="+mn-cs"/>
+              </a:defRPr>
+            </a:lvl3pPr>
+            <a:lvl4pPr marL="1371600" algn="l" rtl="0" fontAlgn="base">
+              <a:spcBef>
+                <a:spcPct val="0"/>
+              </a:spcBef>
+              <a:spcAft>
+                <a:spcPct val="0"/>
+              </a:spcAft>
+              <a:defRPr kern="1200">
+                <a:solidFill>
+                  <a:schemeClr val="tx1"/>
+                </a:solidFill>
+                <a:latin typeface="Arial" panose="020B0604020202020204" pitchFamily="34" charset="0"/>
+                <a:ea typeface="+mn-ea"/>
+                <a:cs typeface="+mn-cs"/>
+              </a:defRPr>
+            </a:lvl4pPr>
+            <a:lvl5pPr marL="1828800" algn="l" rtl="0" fontAlgn="base">
+              <a:spcBef>
+                <a:spcPct val="0"/>
+              </a:spcBef>
+              <a:spcAft>
+                <a:spcPct val="0"/>
+              </a:spcAft>
+              <a:defRPr kern="1200">
+                <a:solidFill>
+                  <a:schemeClr val="tx1"/>
+                </a:solidFill>
+                <a:latin typeface="Arial" panose="020B0604020202020204" pitchFamily="34" charset="0"/>
+                <a:ea typeface="+mn-ea"/>
+                <a:cs typeface="+mn-cs"/>
+              </a:defRPr>
+            </a:lvl5pPr>
+            <a:lvl6pPr marL="2286000" algn="l" defTabSz="914400" rtl="0" eaLnBrk="1" latinLnBrk="0" hangingPunct="1">
+              <a:defRPr kern="1200">
+                <a:solidFill>
+                  <a:schemeClr val="tx1"/>
+                </a:solidFill>
+                <a:latin typeface="Arial" panose="020B0604020202020204" pitchFamily="34" charset="0"/>
+                <a:ea typeface="+mn-ea"/>
+                <a:cs typeface="+mn-cs"/>
+              </a:defRPr>
+            </a:lvl6pPr>
+            <a:lvl7pPr marL="2743200" algn="l" defTabSz="914400" rtl="0" eaLnBrk="1" latinLnBrk="0" hangingPunct="1">
+              <a:defRPr kern="1200">
+                <a:solidFill>
+                  <a:schemeClr val="tx1"/>
+                </a:solidFill>
+                <a:latin typeface="Arial" panose="020B0604020202020204" pitchFamily="34" charset="0"/>
+                <a:ea typeface="+mn-ea"/>
+                <a:cs typeface="+mn-cs"/>
+              </a:defRPr>
+            </a:lvl7pPr>
+            <a:lvl8pPr marL="3200400" algn="l" defTabSz="914400" rtl="0" eaLnBrk="1" latinLnBrk="0" hangingPunct="1">
+              <a:defRPr kern="1200">
+                <a:solidFill>
+                  <a:schemeClr val="tx1"/>
+                </a:solidFill>
+                <a:latin typeface="Arial" panose="020B0604020202020204" pitchFamily="34" charset="0"/>
+                <a:ea typeface="+mn-ea"/>
+                <a:cs typeface="+mn-cs"/>
+              </a:defRPr>
+            </a:lvl8pPr>
+            <a:lvl9pPr marL="3657600" algn="l" defTabSz="914400" rtl="0" eaLnBrk="1" latinLnBrk="0" hangingPunct="1">
+              <a:defRPr kern="1200">
+                <a:solidFill>
+                  <a:schemeClr val="tx1"/>
+                </a:solidFill>
+                <a:latin typeface="Arial" panose="020B0604020202020204" pitchFamily="34" charset="0"/>
+                <a:ea typeface="+mn-ea"/>
+                <a:cs typeface="+mn-cs"/>
+              </a:defRPr>
+            </a:lvl9pPr>
+          </a:lstStyle>
+          <a:p>
+            <a:r>
+              <a:rPr lang="en-US" altLang="es-SV" sz="2400" dirty="0">
+                <a:solidFill>
+                  <a:srgbClr val="000080"/>
+                </a:solidFill>
+              </a:rPr>
+              <a:t>Accomplishments</a:t>
+            </a:r>
+          </a:p>
+        </p:txBody>
+      </p:sp>
+      <p:sp>
+        <p:nvSpPr>
+          <p:cNvPr id="7" name="Text Box 7"/>
+          <p:cNvSpPr txBox="1">
+            <a:spLocks noChangeArrowheads="1"/>
+          </p:cNvSpPr>
           <p:nvPr/>
-        </p:nvPicPr>
-        <p:blipFill>
-          <a:blip r:embed="rId4">
-            <a:extLst>
-              <a:ext uri="{28A0092B-C50C-407E-A947-70E740481C1C}">
-                <a14:useLocalDpi xmlns:a14="http://schemas.microsoft.com/office/drawing/2010/main" val="0"/>
-              </a:ext>
-            </a:extLst>
-          </a:blip>
-          <a:stretch>
-            <a:fillRect/>
-          </a:stretch>
-        </p:blipFill>
-        <p:spPr>
+        </p:nvSpPr>
+        <p:spPr bwMode="auto">
           <a:xfrm>
-            <a:off x="6659009" y="1466848"/>
-            <a:ext cx="2640670" cy="5123143"/>
+            <a:off x="486569" y="3924544"/>
+            <a:ext cx="955711" cy="461665"/>
           </a:xfrm>
           <a:prstGeom prst="rect">
             <a:avLst/>
           </a:prstGeom>
+          <a:noFill/>
+          <a:ln>
+            <a:noFill/>
+          </a:ln>
+          <a:effectLst/>
+          <a:extLst>
+            <a:ext uri="{909E8E84-426E-40DD-AFC4-6F175D3DCCD1}">
+              <a14:hiddenFill xmlns:a14="http://schemas.microsoft.com/office/drawing/2010/main">
+                <a:solidFill>
+                  <a:schemeClr val="accent1"/>
+                </a:solidFill>
+              </a14:hiddenFill>
+            </a:ext>
+            <a:ext uri="{91240B29-F687-4F45-9708-019B960494DF}">
+              <a14:hiddenLine xmlns:a14="http://schemas.microsoft.com/office/drawing/2010/main" w="9525">
+                <a:solidFill>
+                  <a:schemeClr val="tx1"/>
+                </a:solidFill>
+                <a:miter lim="800000"/>
+                <a:headEnd/>
+                <a:tailEnd/>
+              </a14:hiddenLine>
+            </a:ext>
+            <a:ext uri="{AF507438-7753-43E0-B8FC-AC1667EBCBE1}">
+              <a14:hiddenEffects xmlns:a14="http://schemas.microsoft.com/office/drawing/2010/main">
+                <a:effectLst>
+                  <a:outerShdw dist="35921" dir="2700000" algn="ctr" rotWithShape="0">
+                    <a:schemeClr val="bg2"/>
+                  </a:outerShdw>
+                </a:effectLst>
+              </a14:hiddenEffects>
+            </a:ext>
+          </a:extLst>
         </p:spPr>
-      </p:pic>
+        <p:txBody>
+          <a:bodyPr wrap="none">
+            <a:spAutoFit/>
+          </a:bodyPr>
+          <a:lstStyle>
+            <a:defPPr>
+              <a:defRPr lang="en-US"/>
+            </a:defPPr>
+            <a:lvl1pPr algn="l" rtl="0" fontAlgn="base">
+              <a:spcBef>
+                <a:spcPct val="0"/>
+              </a:spcBef>
+              <a:spcAft>
+                <a:spcPct val="0"/>
+              </a:spcAft>
+              <a:defRPr kern="1200">
+                <a:solidFill>
+                  <a:schemeClr val="tx1"/>
+                </a:solidFill>
+                <a:latin typeface="Arial" panose="020B0604020202020204" pitchFamily="34" charset="0"/>
+                <a:ea typeface="+mn-ea"/>
+                <a:cs typeface="+mn-cs"/>
+              </a:defRPr>
+            </a:lvl1pPr>
+            <a:lvl2pPr marL="457200" algn="l" rtl="0" fontAlgn="base">
+              <a:spcBef>
+                <a:spcPct val="0"/>
+              </a:spcBef>
+              <a:spcAft>
+                <a:spcPct val="0"/>
+              </a:spcAft>
+              <a:defRPr kern="1200">
+                <a:solidFill>
+                  <a:schemeClr val="tx1"/>
+                </a:solidFill>
+                <a:latin typeface="Arial" panose="020B0604020202020204" pitchFamily="34" charset="0"/>
+                <a:ea typeface="+mn-ea"/>
+                <a:cs typeface="+mn-cs"/>
+              </a:defRPr>
+            </a:lvl2pPr>
+            <a:lvl3pPr marL="914400" algn="l" rtl="0" fontAlgn="base">
+              <a:spcBef>
+                <a:spcPct val="0"/>
+              </a:spcBef>
+              <a:spcAft>
+                <a:spcPct val="0"/>
+              </a:spcAft>
+              <a:defRPr kern="1200">
+                <a:solidFill>
+                  <a:schemeClr val="tx1"/>
+                </a:solidFill>
+                <a:latin typeface="Arial" panose="020B0604020202020204" pitchFamily="34" charset="0"/>
+                <a:ea typeface="+mn-ea"/>
+                <a:cs typeface="+mn-cs"/>
+              </a:defRPr>
+            </a:lvl3pPr>
+            <a:lvl4pPr marL="1371600" algn="l" rtl="0" fontAlgn="base">
+              <a:spcBef>
+                <a:spcPct val="0"/>
+              </a:spcBef>
+              <a:spcAft>
+                <a:spcPct val="0"/>
+              </a:spcAft>
+              <a:defRPr kern="1200">
+                <a:solidFill>
+                  <a:schemeClr val="tx1"/>
+                </a:solidFill>
+                <a:latin typeface="Arial" panose="020B0604020202020204" pitchFamily="34" charset="0"/>
+                <a:ea typeface="+mn-ea"/>
+                <a:cs typeface="+mn-cs"/>
+              </a:defRPr>
+            </a:lvl4pPr>
+            <a:lvl5pPr marL="1828800" algn="l" rtl="0" fontAlgn="base">
+              <a:spcBef>
+                <a:spcPct val="0"/>
+              </a:spcBef>
+              <a:spcAft>
+                <a:spcPct val="0"/>
+              </a:spcAft>
+              <a:defRPr kern="1200">
+                <a:solidFill>
+                  <a:schemeClr val="tx1"/>
+                </a:solidFill>
+                <a:latin typeface="Arial" panose="020B0604020202020204" pitchFamily="34" charset="0"/>
+                <a:ea typeface="+mn-ea"/>
+                <a:cs typeface="+mn-cs"/>
+              </a:defRPr>
+            </a:lvl5pPr>
+            <a:lvl6pPr marL="2286000" algn="l" defTabSz="914400" rtl="0" eaLnBrk="1" latinLnBrk="0" hangingPunct="1">
+              <a:defRPr kern="1200">
+                <a:solidFill>
+                  <a:schemeClr val="tx1"/>
+                </a:solidFill>
+                <a:latin typeface="Arial" panose="020B0604020202020204" pitchFamily="34" charset="0"/>
+                <a:ea typeface="+mn-ea"/>
+                <a:cs typeface="+mn-cs"/>
+              </a:defRPr>
+            </a:lvl6pPr>
+            <a:lvl7pPr marL="2743200" algn="l" defTabSz="914400" rtl="0" eaLnBrk="1" latinLnBrk="0" hangingPunct="1">
+              <a:defRPr kern="1200">
+                <a:solidFill>
+                  <a:schemeClr val="tx1"/>
+                </a:solidFill>
+                <a:latin typeface="Arial" panose="020B0604020202020204" pitchFamily="34" charset="0"/>
+                <a:ea typeface="+mn-ea"/>
+                <a:cs typeface="+mn-cs"/>
+              </a:defRPr>
+            </a:lvl7pPr>
+            <a:lvl8pPr marL="3200400" algn="l" defTabSz="914400" rtl="0" eaLnBrk="1" latinLnBrk="0" hangingPunct="1">
+              <a:defRPr kern="1200">
+                <a:solidFill>
+                  <a:schemeClr val="tx1"/>
+                </a:solidFill>
+                <a:latin typeface="Arial" panose="020B0604020202020204" pitchFamily="34" charset="0"/>
+                <a:ea typeface="+mn-ea"/>
+                <a:cs typeface="+mn-cs"/>
+              </a:defRPr>
+            </a:lvl8pPr>
+            <a:lvl9pPr marL="3657600" algn="l" defTabSz="914400" rtl="0" eaLnBrk="1" latinLnBrk="0" hangingPunct="1">
+              <a:defRPr kern="1200">
+                <a:solidFill>
+                  <a:schemeClr val="tx1"/>
+                </a:solidFill>
+                <a:latin typeface="Arial" panose="020B0604020202020204" pitchFamily="34" charset="0"/>
+                <a:ea typeface="+mn-ea"/>
+                <a:cs typeface="+mn-cs"/>
+              </a:defRPr>
+            </a:lvl9pPr>
+          </a:lstStyle>
+          <a:p>
+            <a:r>
+              <a:rPr lang="en-US" altLang="es-SV" sz="2400" dirty="0" smtClean="0">
+                <a:solidFill>
+                  <a:srgbClr val="000080"/>
+                </a:solidFill>
+              </a:rPr>
+              <a:t>Plans</a:t>
+            </a:r>
+            <a:endParaRPr lang="en-US" altLang="es-SV" sz="2400" dirty="0">
+              <a:solidFill>
+                <a:srgbClr val="000080"/>
+              </a:solidFill>
+            </a:endParaRPr>
+          </a:p>
+        </p:txBody>
+      </p:sp>
+      <p:sp>
+        <p:nvSpPr>
+          <p:cNvPr id="12" name="Text Box 12"/>
+          <p:cNvSpPr txBox="1">
+            <a:spLocks noChangeArrowheads="1"/>
+          </p:cNvSpPr>
+          <p:nvPr/>
+        </p:nvSpPr>
+        <p:spPr bwMode="auto">
+          <a:xfrm>
+            <a:off x="495035" y="2311526"/>
+            <a:ext cx="8961265" cy="707886"/>
+          </a:xfrm>
+          <a:prstGeom prst="rect">
+            <a:avLst/>
+          </a:prstGeom>
+          <a:noFill/>
+          <a:ln>
+            <a:noFill/>
+          </a:ln>
+          <a:effectLst/>
+          <a:extLst>
+            <a:ext uri="{909E8E84-426E-40DD-AFC4-6F175D3DCCD1}">
+              <a14:hiddenFill xmlns:a14="http://schemas.microsoft.com/office/drawing/2010/main">
+                <a:solidFill>
+                  <a:schemeClr val="accent1"/>
+                </a:solidFill>
+              </a14:hiddenFill>
+            </a:ext>
+            <a:ext uri="{91240B29-F687-4F45-9708-019B960494DF}">
+              <a14:hiddenLine xmlns:a14="http://schemas.microsoft.com/office/drawing/2010/main" w="9525">
+                <a:solidFill>
+                  <a:schemeClr val="tx1"/>
+                </a:solidFill>
+                <a:miter lim="800000"/>
+                <a:headEnd/>
+                <a:tailEnd/>
+              </a14:hiddenLine>
+            </a:ext>
+            <a:ext uri="{AF507438-7753-43E0-B8FC-AC1667EBCBE1}">
+              <a14:hiddenEffects xmlns:a14="http://schemas.microsoft.com/office/drawing/2010/main">
+                <a:effectLst>
+                  <a:outerShdw dist="35921" dir="2700000" algn="ctr" rotWithShape="0">
+                    <a:schemeClr val="bg2"/>
+                  </a:outerShdw>
+                </a:effectLst>
+              </a14:hiddenEffects>
+            </a:ext>
+          </a:extLst>
+        </p:spPr>
+        <p:txBody>
+          <a:bodyPr wrap="square">
+            <a:spAutoFit/>
+          </a:bodyPr>
+          <a:lstStyle>
+            <a:defPPr>
+              <a:defRPr lang="en-US"/>
+            </a:defPPr>
+            <a:lvl1pPr algn="l" rtl="0" fontAlgn="base">
+              <a:spcBef>
+                <a:spcPct val="0"/>
+              </a:spcBef>
+              <a:spcAft>
+                <a:spcPct val="0"/>
+              </a:spcAft>
+              <a:defRPr kern="1200">
+                <a:solidFill>
+                  <a:schemeClr val="tx1"/>
+                </a:solidFill>
+                <a:latin typeface="Arial" panose="020B0604020202020204" pitchFamily="34" charset="0"/>
+                <a:ea typeface="+mn-ea"/>
+                <a:cs typeface="+mn-cs"/>
+              </a:defRPr>
+            </a:lvl1pPr>
+            <a:lvl2pPr marL="457200" algn="l" rtl="0" fontAlgn="base">
+              <a:spcBef>
+                <a:spcPct val="0"/>
+              </a:spcBef>
+              <a:spcAft>
+                <a:spcPct val="0"/>
+              </a:spcAft>
+              <a:defRPr kern="1200">
+                <a:solidFill>
+                  <a:schemeClr val="tx1"/>
+                </a:solidFill>
+                <a:latin typeface="Arial" panose="020B0604020202020204" pitchFamily="34" charset="0"/>
+                <a:ea typeface="+mn-ea"/>
+                <a:cs typeface="+mn-cs"/>
+              </a:defRPr>
+            </a:lvl2pPr>
+            <a:lvl3pPr marL="914400" algn="l" rtl="0" fontAlgn="base">
+              <a:spcBef>
+                <a:spcPct val="0"/>
+              </a:spcBef>
+              <a:spcAft>
+                <a:spcPct val="0"/>
+              </a:spcAft>
+              <a:defRPr kern="1200">
+                <a:solidFill>
+                  <a:schemeClr val="tx1"/>
+                </a:solidFill>
+                <a:latin typeface="Arial" panose="020B0604020202020204" pitchFamily="34" charset="0"/>
+                <a:ea typeface="+mn-ea"/>
+                <a:cs typeface="+mn-cs"/>
+              </a:defRPr>
+            </a:lvl3pPr>
+            <a:lvl4pPr marL="1371600" algn="l" rtl="0" fontAlgn="base">
+              <a:spcBef>
+                <a:spcPct val="0"/>
+              </a:spcBef>
+              <a:spcAft>
+                <a:spcPct val="0"/>
+              </a:spcAft>
+              <a:defRPr kern="1200">
+                <a:solidFill>
+                  <a:schemeClr val="tx1"/>
+                </a:solidFill>
+                <a:latin typeface="Arial" panose="020B0604020202020204" pitchFamily="34" charset="0"/>
+                <a:ea typeface="+mn-ea"/>
+                <a:cs typeface="+mn-cs"/>
+              </a:defRPr>
+            </a:lvl4pPr>
+            <a:lvl5pPr marL="1828800" algn="l" rtl="0" fontAlgn="base">
+              <a:spcBef>
+                <a:spcPct val="0"/>
+              </a:spcBef>
+              <a:spcAft>
+                <a:spcPct val="0"/>
+              </a:spcAft>
+              <a:defRPr kern="1200">
+                <a:solidFill>
+                  <a:schemeClr val="tx1"/>
+                </a:solidFill>
+                <a:latin typeface="Arial" panose="020B0604020202020204" pitchFamily="34" charset="0"/>
+                <a:ea typeface="+mn-ea"/>
+                <a:cs typeface="+mn-cs"/>
+              </a:defRPr>
+            </a:lvl5pPr>
+            <a:lvl6pPr marL="2286000" algn="l" defTabSz="914400" rtl="0" eaLnBrk="1" latinLnBrk="0" hangingPunct="1">
+              <a:defRPr kern="1200">
+                <a:solidFill>
+                  <a:schemeClr val="tx1"/>
+                </a:solidFill>
+                <a:latin typeface="Arial" panose="020B0604020202020204" pitchFamily="34" charset="0"/>
+                <a:ea typeface="+mn-ea"/>
+                <a:cs typeface="+mn-cs"/>
+              </a:defRPr>
+            </a:lvl6pPr>
+            <a:lvl7pPr marL="2743200" algn="l" defTabSz="914400" rtl="0" eaLnBrk="1" latinLnBrk="0" hangingPunct="1">
+              <a:defRPr kern="1200">
+                <a:solidFill>
+                  <a:schemeClr val="tx1"/>
+                </a:solidFill>
+                <a:latin typeface="Arial" panose="020B0604020202020204" pitchFamily="34" charset="0"/>
+                <a:ea typeface="+mn-ea"/>
+                <a:cs typeface="+mn-cs"/>
+              </a:defRPr>
+            </a:lvl7pPr>
+            <a:lvl8pPr marL="3200400" algn="l" defTabSz="914400" rtl="0" eaLnBrk="1" latinLnBrk="0" hangingPunct="1">
+              <a:defRPr kern="1200">
+                <a:solidFill>
+                  <a:schemeClr val="tx1"/>
+                </a:solidFill>
+                <a:latin typeface="Arial" panose="020B0604020202020204" pitchFamily="34" charset="0"/>
+                <a:ea typeface="+mn-ea"/>
+                <a:cs typeface="+mn-cs"/>
+              </a:defRPr>
+            </a:lvl8pPr>
+            <a:lvl9pPr marL="3657600" algn="l" defTabSz="914400" rtl="0" eaLnBrk="1" latinLnBrk="0" hangingPunct="1">
+              <a:defRPr kern="1200">
+                <a:solidFill>
+                  <a:schemeClr val="tx1"/>
+                </a:solidFill>
+                <a:latin typeface="Arial" panose="020B0604020202020204" pitchFamily="34" charset="0"/>
+                <a:ea typeface="+mn-ea"/>
+                <a:cs typeface="+mn-cs"/>
+              </a:defRPr>
+            </a:lvl9pPr>
+          </a:lstStyle>
+          <a:p>
+            <a:pPr>
+              <a:buFontTx/>
+              <a:buChar char="•"/>
+            </a:pPr>
+            <a:r>
+              <a:rPr lang="en-US" altLang="es-SV" sz="2000" dirty="0" smtClean="0">
+                <a:latin typeface="+mn-lt"/>
+              </a:rPr>
+              <a:t>Finished Games’ Framework</a:t>
+            </a:r>
+            <a:endParaRPr lang="en-US" altLang="es-SV" sz="2000" dirty="0" smtClean="0">
+              <a:latin typeface="+mn-lt"/>
+            </a:endParaRPr>
+          </a:p>
+          <a:p>
+            <a:pPr>
+              <a:buFontTx/>
+              <a:buChar char="•"/>
+            </a:pPr>
+            <a:r>
+              <a:rPr lang="en-US" altLang="es-SV" sz="2000" dirty="0" smtClean="0">
+                <a:latin typeface="+mn-lt"/>
+              </a:rPr>
+              <a:t>Coded All Game States </a:t>
+            </a:r>
+          </a:p>
+        </p:txBody>
+      </p:sp>
+      <p:sp>
+        <p:nvSpPr>
+          <p:cNvPr id="13" name="Text Box 13"/>
+          <p:cNvSpPr txBox="1">
+            <a:spLocks noChangeArrowheads="1"/>
+          </p:cNvSpPr>
+          <p:nvPr/>
+        </p:nvSpPr>
+        <p:spPr bwMode="auto">
+          <a:xfrm>
+            <a:off x="466725" y="4495800"/>
+            <a:ext cx="8807277" cy="2246769"/>
+          </a:xfrm>
+          <a:prstGeom prst="rect">
+            <a:avLst/>
+          </a:prstGeom>
+          <a:noFill/>
+          <a:ln>
+            <a:noFill/>
+          </a:ln>
+          <a:effectLst/>
+          <a:extLst>
+            <a:ext uri="{909E8E84-426E-40DD-AFC4-6F175D3DCCD1}">
+              <a14:hiddenFill xmlns:a14="http://schemas.microsoft.com/office/drawing/2010/main">
+                <a:solidFill>
+                  <a:schemeClr val="accent1"/>
+                </a:solidFill>
+              </a14:hiddenFill>
+            </a:ext>
+            <a:ext uri="{91240B29-F687-4F45-9708-019B960494DF}">
+              <a14:hiddenLine xmlns:a14="http://schemas.microsoft.com/office/drawing/2010/main" w="9525">
+                <a:solidFill>
+                  <a:schemeClr val="tx1"/>
+                </a:solidFill>
+                <a:miter lim="800000"/>
+                <a:headEnd/>
+                <a:tailEnd/>
+              </a14:hiddenLine>
+            </a:ext>
+            <a:ext uri="{AF507438-7753-43E0-B8FC-AC1667EBCBE1}">
+              <a14:hiddenEffects xmlns:a14="http://schemas.microsoft.com/office/drawing/2010/main">
+                <a:effectLst>
+                  <a:outerShdw dist="35921" dir="2700000" algn="ctr" rotWithShape="0">
+                    <a:schemeClr val="bg2"/>
+                  </a:outerShdw>
+                </a:effectLst>
+              </a14:hiddenEffects>
+            </a:ext>
+          </a:extLst>
+        </p:spPr>
+        <p:txBody>
+          <a:bodyPr wrap="square">
+            <a:spAutoFit/>
+          </a:bodyPr>
+          <a:lstStyle>
+            <a:defPPr>
+              <a:defRPr lang="en-US"/>
+            </a:defPPr>
+            <a:lvl1pPr algn="l" rtl="0" fontAlgn="base">
+              <a:spcBef>
+                <a:spcPct val="0"/>
+              </a:spcBef>
+              <a:spcAft>
+                <a:spcPct val="0"/>
+              </a:spcAft>
+              <a:defRPr kern="1200">
+                <a:solidFill>
+                  <a:schemeClr val="tx1"/>
+                </a:solidFill>
+                <a:latin typeface="Arial" panose="020B0604020202020204" pitchFamily="34" charset="0"/>
+                <a:ea typeface="+mn-ea"/>
+                <a:cs typeface="+mn-cs"/>
+              </a:defRPr>
+            </a:lvl1pPr>
+            <a:lvl2pPr marL="457200" algn="l" rtl="0" fontAlgn="base">
+              <a:spcBef>
+                <a:spcPct val="0"/>
+              </a:spcBef>
+              <a:spcAft>
+                <a:spcPct val="0"/>
+              </a:spcAft>
+              <a:defRPr kern="1200">
+                <a:solidFill>
+                  <a:schemeClr val="tx1"/>
+                </a:solidFill>
+                <a:latin typeface="Arial" panose="020B0604020202020204" pitchFamily="34" charset="0"/>
+                <a:ea typeface="+mn-ea"/>
+                <a:cs typeface="+mn-cs"/>
+              </a:defRPr>
+            </a:lvl2pPr>
+            <a:lvl3pPr marL="914400" algn="l" rtl="0" fontAlgn="base">
+              <a:spcBef>
+                <a:spcPct val="0"/>
+              </a:spcBef>
+              <a:spcAft>
+                <a:spcPct val="0"/>
+              </a:spcAft>
+              <a:defRPr kern="1200">
+                <a:solidFill>
+                  <a:schemeClr val="tx1"/>
+                </a:solidFill>
+                <a:latin typeface="Arial" panose="020B0604020202020204" pitchFamily="34" charset="0"/>
+                <a:ea typeface="+mn-ea"/>
+                <a:cs typeface="+mn-cs"/>
+              </a:defRPr>
+            </a:lvl3pPr>
+            <a:lvl4pPr marL="1371600" algn="l" rtl="0" fontAlgn="base">
+              <a:spcBef>
+                <a:spcPct val="0"/>
+              </a:spcBef>
+              <a:spcAft>
+                <a:spcPct val="0"/>
+              </a:spcAft>
+              <a:defRPr kern="1200">
+                <a:solidFill>
+                  <a:schemeClr val="tx1"/>
+                </a:solidFill>
+                <a:latin typeface="Arial" panose="020B0604020202020204" pitchFamily="34" charset="0"/>
+                <a:ea typeface="+mn-ea"/>
+                <a:cs typeface="+mn-cs"/>
+              </a:defRPr>
+            </a:lvl4pPr>
+            <a:lvl5pPr marL="1828800" algn="l" rtl="0" fontAlgn="base">
+              <a:spcBef>
+                <a:spcPct val="0"/>
+              </a:spcBef>
+              <a:spcAft>
+                <a:spcPct val="0"/>
+              </a:spcAft>
+              <a:defRPr kern="1200">
+                <a:solidFill>
+                  <a:schemeClr val="tx1"/>
+                </a:solidFill>
+                <a:latin typeface="Arial" panose="020B0604020202020204" pitchFamily="34" charset="0"/>
+                <a:ea typeface="+mn-ea"/>
+                <a:cs typeface="+mn-cs"/>
+              </a:defRPr>
+            </a:lvl5pPr>
+            <a:lvl6pPr marL="2286000" algn="l" defTabSz="914400" rtl="0" eaLnBrk="1" latinLnBrk="0" hangingPunct="1">
+              <a:defRPr kern="1200">
+                <a:solidFill>
+                  <a:schemeClr val="tx1"/>
+                </a:solidFill>
+                <a:latin typeface="Arial" panose="020B0604020202020204" pitchFamily="34" charset="0"/>
+                <a:ea typeface="+mn-ea"/>
+                <a:cs typeface="+mn-cs"/>
+              </a:defRPr>
+            </a:lvl6pPr>
+            <a:lvl7pPr marL="2743200" algn="l" defTabSz="914400" rtl="0" eaLnBrk="1" latinLnBrk="0" hangingPunct="1">
+              <a:defRPr kern="1200">
+                <a:solidFill>
+                  <a:schemeClr val="tx1"/>
+                </a:solidFill>
+                <a:latin typeface="Arial" panose="020B0604020202020204" pitchFamily="34" charset="0"/>
+                <a:ea typeface="+mn-ea"/>
+                <a:cs typeface="+mn-cs"/>
+              </a:defRPr>
+            </a:lvl7pPr>
+            <a:lvl8pPr marL="3200400" algn="l" defTabSz="914400" rtl="0" eaLnBrk="1" latinLnBrk="0" hangingPunct="1">
+              <a:defRPr kern="1200">
+                <a:solidFill>
+                  <a:schemeClr val="tx1"/>
+                </a:solidFill>
+                <a:latin typeface="Arial" panose="020B0604020202020204" pitchFamily="34" charset="0"/>
+                <a:ea typeface="+mn-ea"/>
+                <a:cs typeface="+mn-cs"/>
+              </a:defRPr>
+            </a:lvl8pPr>
+            <a:lvl9pPr marL="3657600" algn="l" defTabSz="914400" rtl="0" eaLnBrk="1" latinLnBrk="0" hangingPunct="1">
+              <a:defRPr kern="1200">
+                <a:solidFill>
+                  <a:schemeClr val="tx1"/>
+                </a:solidFill>
+                <a:latin typeface="Arial" panose="020B0604020202020204" pitchFamily="34" charset="0"/>
+                <a:ea typeface="+mn-ea"/>
+                <a:cs typeface="+mn-cs"/>
+              </a:defRPr>
+            </a:lvl9pPr>
+          </a:lstStyle>
+          <a:p>
+            <a:pPr>
+              <a:buFontTx/>
+              <a:buChar char="•"/>
+            </a:pPr>
+            <a:r>
+              <a:rPr lang="en-US" altLang="es-SV" sz="2000" dirty="0" smtClean="0">
+                <a:latin typeface="+mn-lt"/>
+              </a:rPr>
+              <a:t>Clean up Sprites/Smooth Gameplay (Soccer Ball)</a:t>
+            </a:r>
+            <a:endParaRPr lang="en-US" altLang="es-SV" sz="2000" dirty="0" smtClean="0">
+              <a:latin typeface="+mn-lt"/>
+            </a:endParaRPr>
+          </a:p>
+          <a:p>
+            <a:pPr>
+              <a:buFontTx/>
+              <a:buChar char="•"/>
+            </a:pPr>
+            <a:r>
+              <a:rPr lang="en-US" altLang="es-SV" sz="2000" dirty="0" smtClean="0">
+                <a:latin typeface="+mn-lt"/>
+              </a:rPr>
+              <a:t>Finish Robot Mode</a:t>
+            </a:r>
+          </a:p>
+          <a:p>
+            <a:pPr>
+              <a:buFontTx/>
+              <a:buChar char="•"/>
+            </a:pPr>
+            <a:r>
+              <a:rPr lang="en-US" altLang="es-SV" sz="2000" dirty="0" smtClean="0">
+                <a:latin typeface="+mn-lt"/>
+              </a:rPr>
+              <a:t>Finish Tournament Mode</a:t>
+            </a:r>
+          </a:p>
+          <a:p>
+            <a:pPr>
+              <a:buFontTx/>
+              <a:buChar char="•"/>
+            </a:pPr>
+            <a:r>
+              <a:rPr lang="en-US" altLang="es-SV" sz="2000" dirty="0" smtClean="0">
+                <a:latin typeface="+mn-lt"/>
+              </a:rPr>
+              <a:t>Scoring</a:t>
+            </a:r>
+          </a:p>
+          <a:p>
+            <a:pPr>
+              <a:buFontTx/>
+              <a:buChar char="•"/>
+            </a:pPr>
+            <a:r>
+              <a:rPr lang="en-US" altLang="es-SV" sz="2000" dirty="0" smtClean="0">
+                <a:latin typeface="+mn-lt"/>
+              </a:rPr>
+              <a:t>Stick Collision</a:t>
+            </a:r>
+          </a:p>
+          <a:p>
+            <a:pPr>
+              <a:buFontTx/>
+              <a:buChar char="•"/>
+            </a:pPr>
+            <a:r>
+              <a:rPr lang="en-US" altLang="es-SV" sz="2000" dirty="0" smtClean="0">
+                <a:latin typeface="+mn-lt"/>
+              </a:rPr>
+              <a:t>Add Sound</a:t>
+            </a:r>
+          </a:p>
+          <a:p>
+            <a:pPr>
+              <a:buFontTx/>
+              <a:buChar char="•"/>
+            </a:pPr>
+            <a:endParaRPr lang="en-US" altLang="es-SV" sz="2000" dirty="0" smtClean="0">
+              <a:latin typeface="+mn-lt"/>
+            </a:endParaRPr>
+          </a:p>
+        </p:txBody>
+      </p:sp>
     </p:spTree>
     <p:extLst>
       <p:ext uri="{BB962C8B-B14F-4D97-AF65-F5344CB8AC3E}">
-        <p14:creationId xmlns:p14="http://schemas.microsoft.com/office/powerpoint/2010/main" val="538000889"/>
+        <p14:creationId xmlns:p14="http://schemas.microsoft.com/office/powerpoint/2010/main" val="133876077"/>
       </p:ext>
     </p:extLst>
   </p:cSld>
@@ -8596,1545 +7510,29 @@
         </p:nvSpPr>
         <p:spPr>
           <a:xfrm>
-            <a:off x="677334" y="609600"/>
-            <a:ext cx="8596668" cy="666750"/>
+            <a:off x="753534" y="2895600"/>
+            <a:ext cx="8596668" cy="1320800"/>
           </a:xfrm>
         </p:spPr>
         <p:txBody>
-          <a:bodyPr/>
+          <a:bodyPr>
+            <a:normAutofit/>
+          </a:bodyPr>
           <a:lstStyle/>
           <a:p>
             <a:pPr algn="ctr"/>
             <a:r>
-              <a:rPr lang="en-US" dirty="0" smtClean="0"/>
-              <a:t>Class Diagram</a:t>
-            </a:r>
-            <a:endParaRPr lang="es-SV" dirty="0"/>
-          </a:p>
-        </p:txBody>
-      </p:sp>
-      <p:sp>
-        <p:nvSpPr>
-          <p:cNvPr id="4" name="TextBox 3"/>
-          <p:cNvSpPr txBox="1"/>
-          <p:nvPr/>
-        </p:nvSpPr>
-        <p:spPr>
-          <a:xfrm>
-            <a:off x="2571750" y="3282613"/>
-            <a:ext cx="3810000" cy="369332"/>
-          </a:xfrm>
-          <a:prstGeom prst="rect">
-            <a:avLst/>
-          </a:prstGeom>
-          <a:noFill/>
-          <a:ln>
-            <a:solidFill>
-              <a:schemeClr val="accent1">
-                <a:lumMod val="75000"/>
-              </a:schemeClr>
-            </a:solidFill>
-          </a:ln>
-        </p:spPr>
-        <p:txBody>
-          <a:bodyPr wrap="square" rtlCol="0">
-            <a:spAutoFit/>
-          </a:bodyPr>
-          <a:lstStyle/>
-          <a:p>
-            <a:pPr algn="ctr"/>
-            <a:r>
-              <a:rPr lang="en-US" dirty="0" smtClean="0"/>
-              <a:t>Game</a:t>
-            </a:r>
-            <a:endParaRPr lang="es-SV" dirty="0"/>
-          </a:p>
-        </p:txBody>
-      </p:sp>
-      <p:sp>
-        <p:nvSpPr>
-          <p:cNvPr id="5" name="TextBox 4"/>
-          <p:cNvSpPr txBox="1"/>
-          <p:nvPr/>
-        </p:nvSpPr>
-        <p:spPr>
-          <a:xfrm>
-            <a:off x="2571750" y="3651945"/>
-            <a:ext cx="3810000" cy="1477328"/>
-          </a:xfrm>
-          <a:prstGeom prst="rect">
-            <a:avLst/>
-          </a:prstGeom>
-          <a:noFill/>
-          <a:ln>
-            <a:solidFill>
-              <a:schemeClr val="accent1">
-                <a:lumMod val="75000"/>
-              </a:schemeClr>
-            </a:solidFill>
-          </a:ln>
-        </p:spPr>
-        <p:txBody>
-          <a:bodyPr wrap="square" rtlCol="0">
-            <a:spAutoFit/>
-          </a:bodyPr>
-          <a:lstStyle/>
-          <a:p>
-            <a:r>
-              <a:rPr lang="en-US" dirty="0" err="1" smtClean="0"/>
-              <a:t>renderSprites</a:t>
-            </a:r>
-            <a:r>
-              <a:rPr lang="en-US" dirty="0" smtClean="0"/>
-              <a:t>()</a:t>
-            </a:r>
-          </a:p>
-          <a:p>
-            <a:r>
-              <a:rPr lang="en-US" dirty="0" err="1"/>
-              <a:t>r</a:t>
-            </a:r>
-            <a:r>
-              <a:rPr lang="en-US" dirty="0" err="1" smtClean="0"/>
-              <a:t>enderLayout</a:t>
-            </a:r>
-            <a:r>
-              <a:rPr lang="en-US" dirty="0" smtClean="0"/>
-              <a:t>()</a:t>
-            </a:r>
-          </a:p>
-          <a:p>
-            <a:r>
-              <a:rPr lang="en-US" dirty="0" err="1" smtClean="0"/>
-              <a:t>getBallLocation</a:t>
-            </a:r>
-            <a:r>
-              <a:rPr lang="en-US" dirty="0" smtClean="0"/>
-              <a:t>(</a:t>
-            </a:r>
-            <a:r>
-              <a:rPr lang="en-US" dirty="0" err="1" smtClean="0"/>
-              <a:t>int</a:t>
-            </a:r>
-            <a:r>
-              <a:rPr lang="en-US" dirty="0" smtClean="0"/>
-              <a:t>, </a:t>
-            </a:r>
-            <a:r>
-              <a:rPr lang="en-US" dirty="0" err="1" smtClean="0"/>
-              <a:t>int</a:t>
-            </a:r>
-            <a:r>
-              <a:rPr lang="en-US" dirty="0" smtClean="0"/>
-              <a:t>)</a:t>
-            </a:r>
-          </a:p>
-          <a:p>
-            <a:r>
-              <a:rPr lang="en-US" dirty="0" err="1" smtClean="0"/>
-              <a:t>getScore</a:t>
-            </a:r>
-            <a:r>
-              <a:rPr lang="en-US" dirty="0" smtClean="0"/>
-              <a:t>()</a:t>
-            </a:r>
-          </a:p>
-          <a:p>
-            <a:endParaRPr lang="es-SV" dirty="0"/>
-          </a:p>
-        </p:txBody>
-      </p:sp>
-      <p:sp>
-        <p:nvSpPr>
-          <p:cNvPr id="6" name="Flowchart: Decision 5"/>
-          <p:cNvSpPr/>
-          <p:nvPr/>
-        </p:nvSpPr>
-        <p:spPr>
-          <a:xfrm>
-            <a:off x="6381750" y="3651945"/>
-            <a:ext cx="419100" cy="316468"/>
-          </a:xfrm>
-          <a:prstGeom prst="flowChartDecision">
-            <a:avLst/>
-          </a:prstGeom>
-        </p:spPr>
-        <p:style>
-          <a:lnRef idx="2">
-            <a:schemeClr val="accent1">
-              <a:shade val="50000"/>
-            </a:schemeClr>
-          </a:lnRef>
-          <a:fillRef idx="1">
-            <a:schemeClr val="accent1"/>
-          </a:fillRef>
-          <a:effectRef idx="0">
-            <a:schemeClr val="accent1"/>
-          </a:effectRef>
-          <a:fontRef idx="minor">
-            <a:schemeClr val="lt1"/>
-          </a:fontRef>
-        </p:style>
-        <p:txBody>
-          <a:bodyPr rtlCol="0" anchor="ctr"/>
-          <a:lstStyle/>
-          <a:p>
-            <a:pPr algn="ctr"/>
-            <a:endParaRPr lang="es-SV"/>
-          </a:p>
-        </p:txBody>
-      </p:sp>
-      <p:cxnSp>
-        <p:nvCxnSpPr>
-          <p:cNvPr id="8" name="Straight Connector 7"/>
-          <p:cNvCxnSpPr>
-            <a:stCxn id="6" idx="3"/>
-          </p:cNvCxnSpPr>
-          <p:nvPr/>
-        </p:nvCxnSpPr>
-        <p:spPr>
-          <a:xfrm flipV="1">
-            <a:off x="6800850" y="3651945"/>
-            <a:ext cx="1352550" cy="158234"/>
-          </a:xfrm>
-          <a:prstGeom prst="line">
-            <a:avLst/>
-          </a:prstGeom>
-        </p:spPr>
-        <p:style>
-          <a:lnRef idx="1">
-            <a:schemeClr val="accent1"/>
-          </a:lnRef>
-          <a:fillRef idx="0">
-            <a:schemeClr val="accent1"/>
-          </a:fillRef>
-          <a:effectRef idx="0">
-            <a:schemeClr val="accent1"/>
-          </a:effectRef>
-          <a:fontRef idx="minor">
-            <a:schemeClr val="tx1"/>
-          </a:fontRef>
-        </p:style>
-      </p:cxnSp>
-      <p:sp>
-        <p:nvSpPr>
-          <p:cNvPr id="9" name="TextBox 8"/>
-          <p:cNvSpPr txBox="1"/>
-          <p:nvPr/>
-        </p:nvSpPr>
-        <p:spPr>
-          <a:xfrm>
-            <a:off x="8153400" y="3326547"/>
-            <a:ext cx="2038350" cy="369332"/>
-          </a:xfrm>
-          <a:prstGeom prst="rect">
-            <a:avLst/>
-          </a:prstGeom>
-          <a:noFill/>
-          <a:ln>
-            <a:solidFill>
-              <a:schemeClr val="accent1">
-                <a:lumMod val="75000"/>
-              </a:schemeClr>
-            </a:solidFill>
-          </a:ln>
-        </p:spPr>
-        <p:txBody>
-          <a:bodyPr wrap="square" rtlCol="0">
-            <a:spAutoFit/>
-          </a:bodyPr>
-          <a:lstStyle/>
-          <a:p>
-            <a:pPr algn="ctr"/>
-            <a:r>
-              <a:rPr lang="en-US" dirty="0" smtClean="0"/>
-              <a:t>Robot</a:t>
-            </a:r>
-            <a:endParaRPr lang="es-SV" dirty="0"/>
-          </a:p>
-        </p:txBody>
-      </p:sp>
-      <p:sp>
-        <p:nvSpPr>
-          <p:cNvPr id="10" name="TextBox 9"/>
-          <p:cNvSpPr txBox="1"/>
-          <p:nvPr/>
-        </p:nvSpPr>
-        <p:spPr>
-          <a:xfrm>
-            <a:off x="8153400" y="3698111"/>
-            <a:ext cx="2038350" cy="646331"/>
-          </a:xfrm>
-          <a:prstGeom prst="rect">
-            <a:avLst/>
-          </a:prstGeom>
-          <a:noFill/>
-          <a:ln>
-            <a:solidFill>
-              <a:schemeClr val="accent1">
-                <a:lumMod val="75000"/>
-              </a:schemeClr>
-            </a:solidFill>
-          </a:ln>
-        </p:spPr>
-        <p:txBody>
-          <a:bodyPr wrap="square" rtlCol="0">
-            <a:spAutoFit/>
-          </a:bodyPr>
-          <a:lstStyle/>
-          <a:p>
-            <a:r>
-              <a:rPr lang="en-US" dirty="0" err="1" smtClean="0"/>
-              <a:t>robotDifficulty</a:t>
-            </a:r>
-            <a:r>
-              <a:rPr lang="en-US" dirty="0" smtClean="0"/>
-              <a:t>()</a:t>
-            </a:r>
-          </a:p>
-          <a:p>
-            <a:r>
-              <a:rPr lang="en-US" dirty="0" err="1" smtClean="0"/>
-              <a:t>robotNextMove</a:t>
-            </a:r>
-            <a:r>
-              <a:rPr lang="en-US" dirty="0" smtClean="0"/>
-              <a:t>()</a:t>
-            </a:r>
-            <a:endParaRPr lang="es-SV" dirty="0"/>
-          </a:p>
-        </p:txBody>
-      </p:sp>
-      <p:sp>
-        <p:nvSpPr>
-          <p:cNvPr id="11" name="TextBox 10"/>
-          <p:cNvSpPr txBox="1"/>
-          <p:nvPr/>
-        </p:nvSpPr>
-        <p:spPr>
-          <a:xfrm>
-            <a:off x="677334" y="1562100"/>
-            <a:ext cx="1894416" cy="369332"/>
-          </a:xfrm>
-          <a:prstGeom prst="rect">
-            <a:avLst/>
-          </a:prstGeom>
-          <a:noFill/>
-          <a:ln>
-            <a:solidFill>
-              <a:schemeClr val="accent1">
-                <a:lumMod val="75000"/>
-              </a:schemeClr>
-            </a:solidFill>
-          </a:ln>
-        </p:spPr>
-        <p:txBody>
-          <a:bodyPr wrap="square" rtlCol="0">
-            <a:spAutoFit/>
-          </a:bodyPr>
-          <a:lstStyle/>
-          <a:p>
-            <a:pPr algn="ctr"/>
-            <a:r>
-              <a:rPr lang="en-US" dirty="0" smtClean="0"/>
-              <a:t>User</a:t>
-            </a:r>
-            <a:endParaRPr lang="es-SV" dirty="0"/>
-          </a:p>
-        </p:txBody>
-      </p:sp>
-      <p:sp>
-        <p:nvSpPr>
-          <p:cNvPr id="12" name="TextBox 11"/>
-          <p:cNvSpPr txBox="1"/>
-          <p:nvPr/>
-        </p:nvSpPr>
-        <p:spPr>
-          <a:xfrm>
-            <a:off x="677334" y="1931432"/>
-            <a:ext cx="1894416" cy="646331"/>
-          </a:xfrm>
-          <a:prstGeom prst="rect">
-            <a:avLst/>
-          </a:prstGeom>
-          <a:noFill/>
-          <a:ln>
-            <a:solidFill>
-              <a:schemeClr val="accent1">
-                <a:lumMod val="75000"/>
-              </a:schemeClr>
-            </a:solidFill>
-          </a:ln>
-        </p:spPr>
-        <p:txBody>
-          <a:bodyPr wrap="square" rtlCol="0">
-            <a:spAutoFit/>
-          </a:bodyPr>
-          <a:lstStyle/>
-          <a:p>
-            <a:r>
-              <a:rPr lang="en-US" dirty="0" err="1" smtClean="0"/>
-              <a:t>userName</a:t>
-            </a:r>
-            <a:r>
-              <a:rPr lang="en-US" dirty="0" smtClean="0"/>
-              <a:t>()</a:t>
-            </a:r>
-          </a:p>
-          <a:p>
-            <a:r>
-              <a:rPr lang="en-US" dirty="0" err="1" smtClean="0"/>
-              <a:t>userLevel</a:t>
-            </a:r>
-            <a:r>
-              <a:rPr lang="en-US" dirty="0" smtClean="0"/>
-              <a:t>()</a:t>
-            </a:r>
-            <a:endParaRPr lang="es-SV" dirty="0"/>
-          </a:p>
-        </p:txBody>
-      </p:sp>
-      <p:cxnSp>
-        <p:nvCxnSpPr>
-          <p:cNvPr id="14" name="Straight Arrow Connector 13"/>
-          <p:cNvCxnSpPr/>
-          <p:nvPr/>
-        </p:nvCxnSpPr>
-        <p:spPr>
-          <a:xfrm>
-            <a:off x="971550" y="2577763"/>
-            <a:ext cx="1600200" cy="1443513"/>
-          </a:xfrm>
-          <a:prstGeom prst="straightConnector1">
-            <a:avLst/>
-          </a:prstGeom>
-          <a:ln>
-            <a:tailEnd type="triangle"/>
-          </a:ln>
-        </p:spPr>
-        <p:style>
-          <a:lnRef idx="1">
-            <a:schemeClr val="accent1"/>
-          </a:lnRef>
-          <a:fillRef idx="0">
-            <a:schemeClr val="accent1"/>
-          </a:fillRef>
-          <a:effectRef idx="0">
-            <a:schemeClr val="accent1"/>
-          </a:effectRef>
-          <a:fontRef idx="minor">
-            <a:schemeClr val="tx1"/>
-          </a:fontRef>
-        </p:style>
-      </p:cxnSp>
+              <a:rPr lang="en-US" sz="7200" dirty="0" smtClean="0"/>
+              <a:t>Thank You!</a:t>
+            </a:r>
+            <a:endParaRPr lang="en-US" sz="7200" dirty="0"/>
+          </a:p>
+        </p:txBody>
+      </p:sp>
     </p:spTree>
     <p:extLst>
       <p:ext uri="{BB962C8B-B14F-4D97-AF65-F5344CB8AC3E}">
-        <p14:creationId xmlns:p14="http://schemas.microsoft.com/office/powerpoint/2010/main" val="2836947480"/>
-      </p:ext>
-    </p:extLst>
-  </p:cSld>
-  <p:clrMapOvr>
-    <a:masterClrMapping/>
-  </p:clrMapOvr>
-  <p:timing>
-    <p:tnLst>
-      <p:par>
-        <p:cTn id="1" dur="indefinite" restart="never" nodeType="tmRoot"/>
-      </p:par>
-    </p:tnLst>
-  </p:timing>
-</p:sld>
-</file>
-
-<file path=ppt/slides/slide9.xml><?xml version="1.0" encoding="utf-8"?>
-<p:sld xmlns:a="http://schemas.openxmlformats.org/drawingml/2006/main" xmlns:r="http://schemas.openxmlformats.org/officeDocument/2006/relationships" xmlns:p="http://schemas.openxmlformats.org/presentationml/2006/main">
-  <p:cSld>
-    <p:spTree>
-      <p:nvGrpSpPr>
-        <p:cNvPr id="1" name=""/>
-        <p:cNvGrpSpPr/>
-        <p:nvPr/>
-      </p:nvGrpSpPr>
-      <p:grpSpPr>
-        <a:xfrm>
-          <a:off x="0" y="0"/>
-          <a:ext cx="0" cy="0"/>
-          <a:chOff x="0" y="0"/>
-          <a:chExt cx="0" cy="0"/>
-        </a:xfrm>
-      </p:grpSpPr>
-      <p:sp>
-        <p:nvSpPr>
-          <p:cNvPr id="2" name="Title 1"/>
-          <p:cNvSpPr>
-            <a:spLocks noGrp="1"/>
-          </p:cNvSpPr>
-          <p:nvPr>
-            <p:ph type="title"/>
-          </p:nvPr>
-        </p:nvSpPr>
-        <p:spPr>
-          <a:xfrm>
-            <a:off x="677334" y="0"/>
-            <a:ext cx="8596668" cy="1320800"/>
-          </a:xfrm>
-        </p:spPr>
-        <p:txBody>
-          <a:bodyPr/>
-          <a:lstStyle/>
-          <a:p>
-            <a:pPr algn="ctr"/>
-            <a:r>
-              <a:rPr lang="en-US" dirty="0" smtClean="0"/>
-              <a:t>State Diagram</a:t>
-            </a:r>
-            <a:endParaRPr lang="en-US" dirty="0"/>
-          </a:p>
-        </p:txBody>
-      </p:sp>
-      <p:sp>
-        <p:nvSpPr>
-          <p:cNvPr id="6" name="TextBox 5"/>
-          <p:cNvSpPr txBox="1"/>
-          <p:nvPr/>
-        </p:nvSpPr>
-        <p:spPr>
-          <a:xfrm>
-            <a:off x="3834379" y="1709340"/>
-            <a:ext cx="1951175" cy="369332"/>
-          </a:xfrm>
-          <a:prstGeom prst="rect">
-            <a:avLst/>
-          </a:prstGeom>
-          <a:noFill/>
-          <a:ln>
-            <a:solidFill>
-              <a:schemeClr val="accent1">
-                <a:lumMod val="75000"/>
-              </a:schemeClr>
-            </a:solidFill>
-          </a:ln>
-        </p:spPr>
-        <p:txBody>
-          <a:bodyPr wrap="none" rtlCol="0">
-            <a:spAutoFit/>
-          </a:bodyPr>
-          <a:lstStyle/>
-          <a:p>
-            <a:r>
-              <a:rPr lang="en-US" dirty="0" smtClean="0"/>
-              <a:t>Game Load State</a:t>
-            </a:r>
-            <a:endParaRPr lang="es-SV" dirty="0"/>
-          </a:p>
-        </p:txBody>
-      </p:sp>
-      <p:sp>
-        <p:nvSpPr>
-          <p:cNvPr id="7" name="TextBox 6"/>
-          <p:cNvSpPr txBox="1"/>
-          <p:nvPr/>
-        </p:nvSpPr>
-        <p:spPr>
-          <a:xfrm>
-            <a:off x="3781479" y="2467212"/>
-            <a:ext cx="2004075" cy="369332"/>
-          </a:xfrm>
-          <a:prstGeom prst="rect">
-            <a:avLst/>
-          </a:prstGeom>
-          <a:noFill/>
-          <a:ln>
-            <a:solidFill>
-              <a:schemeClr val="accent1">
-                <a:lumMod val="75000"/>
-              </a:schemeClr>
-            </a:solidFill>
-          </a:ln>
-        </p:spPr>
-        <p:txBody>
-          <a:bodyPr wrap="none" rtlCol="0">
-            <a:spAutoFit/>
-          </a:bodyPr>
-          <a:lstStyle/>
-          <a:p>
-            <a:r>
-              <a:rPr lang="en-US" dirty="0" smtClean="0"/>
-              <a:t>Game Menu State</a:t>
-            </a:r>
-            <a:endParaRPr lang="es-SV" dirty="0"/>
-          </a:p>
-        </p:txBody>
-      </p:sp>
-      <p:cxnSp>
-        <p:nvCxnSpPr>
-          <p:cNvPr id="9" name="Straight Arrow Connector 8"/>
-          <p:cNvCxnSpPr>
-            <a:stCxn id="5" idx="2"/>
-            <a:endCxn id="6" idx="0"/>
-          </p:cNvCxnSpPr>
-          <p:nvPr/>
-        </p:nvCxnSpPr>
-        <p:spPr>
-          <a:xfrm>
-            <a:off x="4809967" y="1224002"/>
-            <a:ext cx="0" cy="485338"/>
-          </a:xfrm>
-          <a:prstGeom prst="straightConnector1">
-            <a:avLst/>
-          </a:prstGeom>
-          <a:ln>
-            <a:tailEnd type="triangle"/>
-          </a:ln>
-        </p:spPr>
-        <p:style>
-          <a:lnRef idx="1">
-            <a:schemeClr val="accent1"/>
-          </a:lnRef>
-          <a:fillRef idx="0">
-            <a:schemeClr val="accent1"/>
-          </a:fillRef>
-          <a:effectRef idx="0">
-            <a:schemeClr val="accent1"/>
-          </a:effectRef>
-          <a:fontRef idx="minor">
-            <a:schemeClr val="tx1"/>
-          </a:fontRef>
-        </p:style>
-      </p:cxnSp>
-      <p:cxnSp>
-        <p:nvCxnSpPr>
-          <p:cNvPr id="11" name="Straight Arrow Connector 10"/>
-          <p:cNvCxnSpPr>
-            <a:stCxn id="6" idx="2"/>
-            <a:endCxn id="7" idx="0"/>
-          </p:cNvCxnSpPr>
-          <p:nvPr/>
-        </p:nvCxnSpPr>
-        <p:spPr>
-          <a:xfrm flipH="1">
-            <a:off x="4783517" y="2078672"/>
-            <a:ext cx="26450" cy="388540"/>
-          </a:xfrm>
-          <a:prstGeom prst="straightConnector1">
-            <a:avLst/>
-          </a:prstGeom>
-          <a:ln>
-            <a:tailEnd type="triangle"/>
-          </a:ln>
-        </p:spPr>
-        <p:style>
-          <a:lnRef idx="1">
-            <a:schemeClr val="accent1"/>
-          </a:lnRef>
-          <a:fillRef idx="0">
-            <a:schemeClr val="accent1"/>
-          </a:fillRef>
-          <a:effectRef idx="0">
-            <a:schemeClr val="accent1"/>
-          </a:effectRef>
-          <a:fontRef idx="minor">
-            <a:schemeClr val="tx1"/>
-          </a:fontRef>
-        </p:style>
-      </p:cxnSp>
-      <p:sp>
-        <p:nvSpPr>
-          <p:cNvPr id="12" name="TextBox 11"/>
-          <p:cNvSpPr txBox="1"/>
-          <p:nvPr/>
-        </p:nvSpPr>
-        <p:spPr>
-          <a:xfrm>
-            <a:off x="819150" y="3218497"/>
-            <a:ext cx="1415900" cy="369332"/>
-          </a:xfrm>
-          <a:prstGeom prst="rect">
-            <a:avLst/>
-          </a:prstGeom>
-          <a:noFill/>
-          <a:ln>
-            <a:solidFill>
-              <a:schemeClr val="accent1">
-                <a:lumMod val="75000"/>
-              </a:schemeClr>
-            </a:solidFill>
-          </a:ln>
-        </p:spPr>
-        <p:txBody>
-          <a:bodyPr wrap="none" rtlCol="0">
-            <a:spAutoFit/>
-          </a:bodyPr>
-          <a:lstStyle/>
-          <a:p>
-            <a:r>
-              <a:rPr lang="en-US" dirty="0" smtClean="0"/>
-              <a:t>Tournament</a:t>
-            </a:r>
-            <a:endParaRPr lang="es-SV" dirty="0"/>
-          </a:p>
-        </p:txBody>
-      </p:sp>
-      <p:sp>
-        <p:nvSpPr>
-          <p:cNvPr id="13" name="TextBox 12"/>
-          <p:cNvSpPr txBox="1"/>
-          <p:nvPr/>
-        </p:nvSpPr>
-        <p:spPr>
-          <a:xfrm>
-            <a:off x="2928360" y="3218497"/>
-            <a:ext cx="853119" cy="369332"/>
-          </a:xfrm>
-          <a:prstGeom prst="rect">
-            <a:avLst/>
-          </a:prstGeom>
-          <a:noFill/>
-          <a:ln>
-            <a:solidFill>
-              <a:schemeClr val="accent1">
-                <a:lumMod val="75000"/>
-              </a:schemeClr>
-            </a:solidFill>
-          </a:ln>
-        </p:spPr>
-        <p:txBody>
-          <a:bodyPr wrap="none" rtlCol="0">
-            <a:spAutoFit/>
-          </a:bodyPr>
-          <a:lstStyle/>
-          <a:p>
-            <a:r>
-              <a:rPr lang="en-US" dirty="0" smtClean="0"/>
-              <a:t>Online</a:t>
-            </a:r>
-            <a:endParaRPr lang="es-SV" dirty="0"/>
-          </a:p>
-        </p:txBody>
-      </p:sp>
-      <p:sp>
-        <p:nvSpPr>
-          <p:cNvPr id="14" name="TextBox 13"/>
-          <p:cNvSpPr txBox="1"/>
-          <p:nvPr/>
-        </p:nvSpPr>
-        <p:spPr>
-          <a:xfrm>
-            <a:off x="4975668" y="3218497"/>
-            <a:ext cx="776431" cy="369332"/>
-          </a:xfrm>
-          <a:prstGeom prst="rect">
-            <a:avLst/>
-          </a:prstGeom>
-          <a:noFill/>
-          <a:ln>
-            <a:solidFill>
-              <a:schemeClr val="accent1">
-                <a:lumMod val="75000"/>
-              </a:schemeClr>
-            </a:solidFill>
-          </a:ln>
-        </p:spPr>
-        <p:txBody>
-          <a:bodyPr wrap="none" rtlCol="0">
-            <a:spAutoFit/>
-          </a:bodyPr>
-          <a:lstStyle/>
-          <a:p>
-            <a:r>
-              <a:rPr lang="en-US" dirty="0" smtClean="0"/>
-              <a:t>Robot</a:t>
-            </a:r>
-            <a:endParaRPr lang="es-SV" dirty="0"/>
-          </a:p>
-        </p:txBody>
-      </p:sp>
-      <p:sp>
-        <p:nvSpPr>
-          <p:cNvPr id="15" name="TextBox 14"/>
-          <p:cNvSpPr txBox="1"/>
-          <p:nvPr/>
-        </p:nvSpPr>
-        <p:spPr>
-          <a:xfrm>
-            <a:off x="7181850" y="3218497"/>
-            <a:ext cx="1023037" cy="369332"/>
-          </a:xfrm>
-          <a:prstGeom prst="rect">
-            <a:avLst/>
-          </a:prstGeom>
-          <a:noFill/>
-          <a:ln>
-            <a:solidFill>
-              <a:schemeClr val="accent1">
-                <a:lumMod val="75000"/>
-              </a:schemeClr>
-            </a:solidFill>
-          </a:ln>
-        </p:spPr>
-        <p:txBody>
-          <a:bodyPr wrap="none" rtlCol="0">
-            <a:spAutoFit/>
-          </a:bodyPr>
-          <a:lstStyle/>
-          <a:p>
-            <a:r>
-              <a:rPr lang="en-US" dirty="0" smtClean="0"/>
-              <a:t>2 player</a:t>
-            </a:r>
-            <a:endParaRPr lang="es-SV" dirty="0"/>
-          </a:p>
-        </p:txBody>
-      </p:sp>
-      <p:cxnSp>
-        <p:nvCxnSpPr>
-          <p:cNvPr id="17" name="Straight Arrow Connector 16"/>
-          <p:cNvCxnSpPr>
-            <a:stCxn id="7" idx="1"/>
-            <a:endCxn id="12" idx="0"/>
-          </p:cNvCxnSpPr>
-          <p:nvPr/>
-        </p:nvCxnSpPr>
-        <p:spPr>
-          <a:xfrm flipH="1">
-            <a:off x="1527100" y="2651878"/>
-            <a:ext cx="2254379" cy="566619"/>
-          </a:xfrm>
-          <a:prstGeom prst="straightConnector1">
-            <a:avLst/>
-          </a:prstGeom>
-          <a:ln>
-            <a:tailEnd type="triangle"/>
-          </a:ln>
-        </p:spPr>
-        <p:style>
-          <a:lnRef idx="1">
-            <a:schemeClr val="accent1"/>
-          </a:lnRef>
-          <a:fillRef idx="0">
-            <a:schemeClr val="accent1"/>
-          </a:fillRef>
-          <a:effectRef idx="0">
-            <a:schemeClr val="accent1"/>
-          </a:effectRef>
-          <a:fontRef idx="minor">
-            <a:schemeClr val="tx1"/>
-          </a:fontRef>
-        </p:style>
-      </p:cxnSp>
-      <p:cxnSp>
-        <p:nvCxnSpPr>
-          <p:cNvPr id="19" name="Straight Arrow Connector 18"/>
-          <p:cNvCxnSpPr/>
-          <p:nvPr/>
-        </p:nvCxnSpPr>
-        <p:spPr>
-          <a:xfrm flipH="1">
-            <a:off x="3486150" y="2836544"/>
-            <a:ext cx="609600" cy="381953"/>
-          </a:xfrm>
-          <a:prstGeom prst="straightConnector1">
-            <a:avLst/>
-          </a:prstGeom>
-          <a:ln>
-            <a:tailEnd type="triangle"/>
-          </a:ln>
-        </p:spPr>
-        <p:style>
-          <a:lnRef idx="1">
-            <a:schemeClr val="accent1"/>
-          </a:lnRef>
-          <a:fillRef idx="0">
-            <a:schemeClr val="accent1"/>
-          </a:fillRef>
-          <a:effectRef idx="0">
-            <a:schemeClr val="accent1"/>
-          </a:effectRef>
-          <a:fontRef idx="minor">
-            <a:schemeClr val="tx1"/>
-          </a:fontRef>
-        </p:style>
-      </p:cxnSp>
-      <p:cxnSp>
-        <p:nvCxnSpPr>
-          <p:cNvPr id="21" name="Straight Arrow Connector 20"/>
-          <p:cNvCxnSpPr>
-            <a:endCxn id="14" idx="0"/>
-          </p:cNvCxnSpPr>
-          <p:nvPr/>
-        </p:nvCxnSpPr>
-        <p:spPr>
-          <a:xfrm flipH="1">
-            <a:off x="5363884" y="2836544"/>
-            <a:ext cx="8216" cy="381953"/>
-          </a:xfrm>
-          <a:prstGeom prst="straightConnector1">
-            <a:avLst/>
-          </a:prstGeom>
-          <a:ln>
-            <a:tailEnd type="triangle"/>
-          </a:ln>
-        </p:spPr>
-        <p:style>
-          <a:lnRef idx="1">
-            <a:schemeClr val="accent1"/>
-          </a:lnRef>
-          <a:fillRef idx="0">
-            <a:schemeClr val="accent1"/>
-          </a:fillRef>
-          <a:effectRef idx="0">
-            <a:schemeClr val="accent1"/>
-          </a:effectRef>
-          <a:fontRef idx="minor">
-            <a:schemeClr val="tx1"/>
-          </a:fontRef>
-        </p:style>
-      </p:cxnSp>
-      <p:cxnSp>
-        <p:nvCxnSpPr>
-          <p:cNvPr id="23" name="Straight Arrow Connector 22"/>
-          <p:cNvCxnSpPr>
-            <a:stCxn id="7" idx="3"/>
-            <a:endCxn id="15" idx="0"/>
-          </p:cNvCxnSpPr>
-          <p:nvPr/>
-        </p:nvCxnSpPr>
-        <p:spPr>
-          <a:xfrm>
-            <a:off x="5785554" y="2651878"/>
-            <a:ext cx="1907815" cy="566619"/>
-          </a:xfrm>
-          <a:prstGeom prst="straightConnector1">
-            <a:avLst/>
-          </a:prstGeom>
-          <a:ln>
-            <a:tailEnd type="triangle"/>
-          </a:ln>
-        </p:spPr>
-        <p:style>
-          <a:lnRef idx="1">
-            <a:schemeClr val="accent1"/>
-          </a:lnRef>
-          <a:fillRef idx="0">
-            <a:schemeClr val="accent1"/>
-          </a:fillRef>
-          <a:effectRef idx="0">
-            <a:schemeClr val="accent1"/>
-          </a:effectRef>
-          <a:fontRef idx="minor">
-            <a:schemeClr val="tx1"/>
-          </a:fontRef>
-        </p:style>
-      </p:cxnSp>
-      <p:sp>
-        <p:nvSpPr>
-          <p:cNvPr id="28" name="TextBox 27"/>
-          <p:cNvSpPr txBox="1"/>
-          <p:nvPr/>
-        </p:nvSpPr>
-        <p:spPr>
-          <a:xfrm>
-            <a:off x="4383315" y="3825475"/>
-            <a:ext cx="2550698" cy="369332"/>
-          </a:xfrm>
-          <a:prstGeom prst="rect">
-            <a:avLst/>
-          </a:prstGeom>
-          <a:noFill/>
-          <a:ln>
-            <a:solidFill>
-              <a:schemeClr val="accent1">
-                <a:lumMod val="75000"/>
-              </a:schemeClr>
-            </a:solidFill>
-          </a:ln>
-        </p:spPr>
-        <p:txBody>
-          <a:bodyPr wrap="none" rtlCol="0">
-            <a:spAutoFit/>
-          </a:bodyPr>
-          <a:lstStyle/>
-          <a:p>
-            <a:r>
-              <a:rPr lang="en-US" dirty="0" smtClean="0"/>
-              <a:t>Choose Difficulty State</a:t>
-            </a:r>
-            <a:endParaRPr lang="es-SV" dirty="0"/>
-          </a:p>
-        </p:txBody>
-      </p:sp>
-      <p:sp>
-        <p:nvSpPr>
-          <p:cNvPr id="29" name="TextBox 28"/>
-          <p:cNvSpPr txBox="1"/>
-          <p:nvPr/>
-        </p:nvSpPr>
-        <p:spPr>
-          <a:xfrm>
-            <a:off x="2064425" y="3825475"/>
-            <a:ext cx="2031325" cy="369332"/>
-          </a:xfrm>
-          <a:prstGeom prst="rect">
-            <a:avLst/>
-          </a:prstGeom>
-          <a:noFill/>
-          <a:ln>
-            <a:solidFill>
-              <a:schemeClr val="accent1">
-                <a:lumMod val="75000"/>
-              </a:schemeClr>
-            </a:solidFill>
-          </a:ln>
-        </p:spPr>
-        <p:txBody>
-          <a:bodyPr wrap="none" rtlCol="0">
-            <a:spAutoFit/>
-          </a:bodyPr>
-          <a:lstStyle/>
-          <a:p>
-            <a:r>
-              <a:rPr lang="en-US" dirty="0" smtClean="0"/>
-              <a:t>Connect to Player</a:t>
-            </a:r>
-            <a:endParaRPr lang="es-SV" dirty="0"/>
-          </a:p>
-        </p:txBody>
-      </p:sp>
-      <p:sp>
-        <p:nvSpPr>
-          <p:cNvPr id="30" name="TextBox 29"/>
-          <p:cNvSpPr txBox="1"/>
-          <p:nvPr/>
-        </p:nvSpPr>
-        <p:spPr>
-          <a:xfrm>
-            <a:off x="3763045" y="4999072"/>
-            <a:ext cx="1391728" cy="369332"/>
-          </a:xfrm>
-          <a:prstGeom prst="rect">
-            <a:avLst/>
-          </a:prstGeom>
-          <a:noFill/>
-          <a:ln>
-            <a:solidFill>
-              <a:schemeClr val="accent1">
-                <a:lumMod val="75000"/>
-              </a:schemeClr>
-            </a:solidFill>
-          </a:ln>
-        </p:spPr>
-        <p:txBody>
-          <a:bodyPr wrap="none" rtlCol="0">
-            <a:spAutoFit/>
-          </a:bodyPr>
-          <a:lstStyle/>
-          <a:p>
-            <a:r>
-              <a:rPr lang="en-US" dirty="0" smtClean="0"/>
-              <a:t>Game State</a:t>
-            </a:r>
-            <a:endParaRPr lang="es-SV" dirty="0"/>
-          </a:p>
-        </p:txBody>
-      </p:sp>
-      <p:cxnSp>
-        <p:nvCxnSpPr>
-          <p:cNvPr id="32" name="Straight Arrow Connector 31"/>
-          <p:cNvCxnSpPr>
-            <a:stCxn id="13" idx="2"/>
-          </p:cNvCxnSpPr>
-          <p:nvPr/>
-        </p:nvCxnSpPr>
-        <p:spPr>
-          <a:xfrm flipH="1">
-            <a:off x="3354919" y="3587829"/>
-            <a:ext cx="1" cy="237646"/>
-          </a:xfrm>
-          <a:prstGeom prst="straightConnector1">
-            <a:avLst/>
-          </a:prstGeom>
-          <a:ln>
-            <a:tailEnd type="triangle"/>
-          </a:ln>
-        </p:spPr>
-        <p:style>
-          <a:lnRef idx="1">
-            <a:schemeClr val="accent1"/>
-          </a:lnRef>
-          <a:fillRef idx="0">
-            <a:schemeClr val="accent1"/>
-          </a:fillRef>
-          <a:effectRef idx="0">
-            <a:schemeClr val="accent1"/>
-          </a:effectRef>
-          <a:fontRef idx="minor">
-            <a:schemeClr val="tx1"/>
-          </a:fontRef>
-        </p:style>
-      </p:cxnSp>
-      <p:cxnSp>
-        <p:nvCxnSpPr>
-          <p:cNvPr id="34" name="Straight Arrow Connector 33"/>
-          <p:cNvCxnSpPr>
-            <a:stCxn id="14" idx="2"/>
-          </p:cNvCxnSpPr>
-          <p:nvPr/>
-        </p:nvCxnSpPr>
-        <p:spPr>
-          <a:xfrm flipH="1">
-            <a:off x="5363883" y="3587829"/>
-            <a:ext cx="1" cy="237646"/>
-          </a:xfrm>
-          <a:prstGeom prst="straightConnector1">
-            <a:avLst/>
-          </a:prstGeom>
-          <a:ln>
-            <a:tailEnd type="triangle"/>
-          </a:ln>
-        </p:spPr>
-        <p:style>
-          <a:lnRef idx="1">
-            <a:schemeClr val="accent1"/>
-          </a:lnRef>
-          <a:fillRef idx="0">
-            <a:schemeClr val="accent1"/>
-          </a:fillRef>
-          <a:effectRef idx="0">
-            <a:schemeClr val="accent1"/>
-          </a:effectRef>
-          <a:fontRef idx="minor">
-            <a:schemeClr val="tx1"/>
-          </a:fontRef>
-        </p:style>
-      </p:cxnSp>
-      <p:cxnSp>
-        <p:nvCxnSpPr>
-          <p:cNvPr id="42" name="Straight Arrow Connector 41"/>
-          <p:cNvCxnSpPr>
-            <a:endCxn id="30" idx="1"/>
-          </p:cNvCxnSpPr>
-          <p:nvPr/>
-        </p:nvCxnSpPr>
-        <p:spPr>
-          <a:xfrm>
-            <a:off x="870236" y="3587829"/>
-            <a:ext cx="2892809" cy="1595909"/>
-          </a:xfrm>
-          <a:prstGeom prst="straightConnector1">
-            <a:avLst/>
-          </a:prstGeom>
-          <a:ln>
-            <a:tailEnd type="triangle"/>
-          </a:ln>
-        </p:spPr>
-        <p:style>
-          <a:lnRef idx="1">
-            <a:schemeClr val="accent1"/>
-          </a:lnRef>
-          <a:fillRef idx="0">
-            <a:schemeClr val="accent1"/>
-          </a:fillRef>
-          <a:effectRef idx="0">
-            <a:schemeClr val="accent1"/>
-          </a:effectRef>
-          <a:fontRef idx="minor">
-            <a:schemeClr val="tx1"/>
-          </a:fontRef>
-        </p:style>
-      </p:cxnSp>
-      <p:cxnSp>
-        <p:nvCxnSpPr>
-          <p:cNvPr id="44" name="Straight Arrow Connector 43"/>
-          <p:cNvCxnSpPr/>
-          <p:nvPr/>
-        </p:nvCxnSpPr>
-        <p:spPr>
-          <a:xfrm>
-            <a:off x="3354919" y="4194807"/>
-            <a:ext cx="640181" cy="804265"/>
-          </a:xfrm>
-          <a:prstGeom prst="straightConnector1">
-            <a:avLst/>
-          </a:prstGeom>
-          <a:ln>
-            <a:tailEnd type="triangle"/>
-          </a:ln>
-        </p:spPr>
-        <p:style>
-          <a:lnRef idx="1">
-            <a:schemeClr val="accent1"/>
-          </a:lnRef>
-          <a:fillRef idx="0">
-            <a:schemeClr val="accent1"/>
-          </a:fillRef>
-          <a:effectRef idx="0">
-            <a:schemeClr val="accent1"/>
-          </a:effectRef>
-          <a:fontRef idx="minor">
-            <a:schemeClr val="tx1"/>
-          </a:fontRef>
-        </p:style>
-      </p:cxnSp>
-      <p:cxnSp>
-        <p:nvCxnSpPr>
-          <p:cNvPr id="46" name="Straight Arrow Connector 45"/>
-          <p:cNvCxnSpPr/>
-          <p:nvPr/>
-        </p:nvCxnSpPr>
-        <p:spPr>
-          <a:xfrm flipH="1">
-            <a:off x="4629150" y="4207428"/>
-            <a:ext cx="494995" cy="791644"/>
-          </a:xfrm>
-          <a:prstGeom prst="straightConnector1">
-            <a:avLst/>
-          </a:prstGeom>
-          <a:ln>
-            <a:tailEnd type="triangle"/>
-          </a:ln>
-        </p:spPr>
-        <p:style>
-          <a:lnRef idx="1">
-            <a:schemeClr val="accent1"/>
-          </a:lnRef>
-          <a:fillRef idx="0">
-            <a:schemeClr val="accent1"/>
-          </a:fillRef>
-          <a:effectRef idx="0">
-            <a:schemeClr val="accent1"/>
-          </a:effectRef>
-          <a:fontRef idx="minor">
-            <a:schemeClr val="tx1"/>
-          </a:fontRef>
-        </p:style>
-      </p:cxnSp>
-      <p:cxnSp>
-        <p:nvCxnSpPr>
-          <p:cNvPr id="48" name="Straight Arrow Connector 47"/>
-          <p:cNvCxnSpPr>
-            <a:endCxn id="30" idx="3"/>
-          </p:cNvCxnSpPr>
-          <p:nvPr/>
-        </p:nvCxnSpPr>
-        <p:spPr>
-          <a:xfrm flipH="1">
-            <a:off x="5154773" y="3587829"/>
-            <a:ext cx="2973430" cy="1595909"/>
-          </a:xfrm>
-          <a:prstGeom prst="straightConnector1">
-            <a:avLst/>
-          </a:prstGeom>
-          <a:ln>
-            <a:tailEnd type="triangle"/>
-          </a:ln>
-        </p:spPr>
-        <p:style>
-          <a:lnRef idx="1">
-            <a:schemeClr val="accent1"/>
-          </a:lnRef>
-          <a:fillRef idx="0">
-            <a:schemeClr val="accent1"/>
-          </a:fillRef>
-          <a:effectRef idx="0">
-            <a:schemeClr val="accent1"/>
-          </a:effectRef>
-          <a:fontRef idx="minor">
-            <a:schemeClr val="tx1"/>
-          </a:fontRef>
-        </p:style>
-      </p:cxnSp>
-      <p:sp>
-        <p:nvSpPr>
-          <p:cNvPr id="52" name="TextBox 51"/>
-          <p:cNvSpPr txBox="1"/>
-          <p:nvPr/>
-        </p:nvSpPr>
-        <p:spPr>
-          <a:xfrm>
-            <a:off x="8119003" y="4999072"/>
-            <a:ext cx="1382494" cy="369332"/>
-          </a:xfrm>
-          <a:prstGeom prst="rect">
-            <a:avLst/>
-          </a:prstGeom>
-          <a:noFill/>
-          <a:ln>
-            <a:solidFill>
-              <a:schemeClr val="accent1">
-                <a:lumMod val="75000"/>
-              </a:schemeClr>
-            </a:solidFill>
-          </a:ln>
-        </p:spPr>
-        <p:txBody>
-          <a:bodyPr wrap="none" rtlCol="0">
-            <a:spAutoFit/>
-          </a:bodyPr>
-          <a:lstStyle/>
-          <a:p>
-            <a:r>
-              <a:rPr lang="en-US" dirty="0" smtClean="0"/>
-              <a:t>Pause Menu</a:t>
-            </a:r>
-            <a:endParaRPr lang="es-SV" dirty="0"/>
-          </a:p>
-        </p:txBody>
-      </p:sp>
-      <p:cxnSp>
-        <p:nvCxnSpPr>
-          <p:cNvPr id="54" name="Straight Arrow Connector 53"/>
-          <p:cNvCxnSpPr/>
-          <p:nvPr/>
-        </p:nvCxnSpPr>
-        <p:spPr>
-          <a:xfrm>
-            <a:off x="5154773" y="5368404"/>
-            <a:ext cx="2964230" cy="0"/>
-          </a:xfrm>
-          <a:prstGeom prst="straightConnector1">
-            <a:avLst/>
-          </a:prstGeom>
-          <a:ln>
-            <a:tailEnd type="triangle"/>
-          </a:ln>
-        </p:spPr>
-        <p:style>
-          <a:lnRef idx="1">
-            <a:schemeClr val="accent1"/>
-          </a:lnRef>
-          <a:fillRef idx="0">
-            <a:schemeClr val="accent1"/>
-          </a:fillRef>
-          <a:effectRef idx="0">
-            <a:schemeClr val="accent1"/>
-          </a:effectRef>
-          <a:fontRef idx="minor">
-            <a:schemeClr val="tx1"/>
-          </a:fontRef>
-        </p:style>
-      </p:cxnSp>
-      <p:cxnSp>
-        <p:nvCxnSpPr>
-          <p:cNvPr id="56" name="Straight Arrow Connector 55"/>
-          <p:cNvCxnSpPr>
-            <a:stCxn id="52" idx="1"/>
-            <a:endCxn id="30" idx="3"/>
-          </p:cNvCxnSpPr>
-          <p:nvPr/>
-        </p:nvCxnSpPr>
-        <p:spPr>
-          <a:xfrm flipH="1">
-            <a:off x="5154773" y="5183738"/>
-            <a:ext cx="2964230" cy="0"/>
-          </a:xfrm>
-          <a:prstGeom prst="straightConnector1">
-            <a:avLst/>
-          </a:prstGeom>
-          <a:ln>
-            <a:tailEnd type="triangle"/>
-          </a:ln>
-        </p:spPr>
-        <p:style>
-          <a:lnRef idx="1">
-            <a:schemeClr val="accent1"/>
-          </a:lnRef>
-          <a:fillRef idx="0">
-            <a:schemeClr val="accent1"/>
-          </a:fillRef>
-          <a:effectRef idx="0">
-            <a:schemeClr val="accent1"/>
-          </a:effectRef>
-          <a:fontRef idx="minor">
-            <a:schemeClr val="tx1"/>
-          </a:fontRef>
-        </p:style>
-      </p:cxnSp>
-      <p:sp>
-        <p:nvSpPr>
-          <p:cNvPr id="72" name="TextBox 71"/>
-          <p:cNvSpPr txBox="1"/>
-          <p:nvPr/>
-        </p:nvSpPr>
-        <p:spPr>
-          <a:xfrm>
-            <a:off x="819150" y="1949050"/>
-            <a:ext cx="1896801" cy="369332"/>
-          </a:xfrm>
-          <a:prstGeom prst="rect">
-            <a:avLst/>
-          </a:prstGeom>
-          <a:noFill/>
-          <a:ln>
-            <a:solidFill>
-              <a:schemeClr val="accent1">
-                <a:lumMod val="75000"/>
-              </a:schemeClr>
-            </a:solidFill>
-          </a:ln>
-        </p:spPr>
-        <p:txBody>
-          <a:bodyPr wrap="none" rtlCol="0">
-            <a:spAutoFit/>
-          </a:bodyPr>
-          <a:lstStyle/>
-          <a:p>
-            <a:r>
-              <a:rPr lang="en-US" dirty="0" smtClean="0"/>
-              <a:t>Terminate Game</a:t>
-            </a:r>
-          </a:p>
-        </p:txBody>
-      </p:sp>
-      <p:cxnSp>
-        <p:nvCxnSpPr>
-          <p:cNvPr id="74" name="Straight Arrow Connector 73"/>
-          <p:cNvCxnSpPr>
-            <a:endCxn id="72" idx="3"/>
-          </p:cNvCxnSpPr>
-          <p:nvPr/>
-        </p:nvCxnSpPr>
-        <p:spPr>
-          <a:xfrm flipH="1" flipV="1">
-            <a:off x="2715951" y="2133716"/>
-            <a:ext cx="1074999" cy="333496"/>
-          </a:xfrm>
-          <a:prstGeom prst="straightConnector1">
-            <a:avLst/>
-          </a:prstGeom>
-          <a:ln>
-            <a:tailEnd type="triangle"/>
-          </a:ln>
-        </p:spPr>
-        <p:style>
-          <a:lnRef idx="1">
-            <a:schemeClr val="accent1"/>
-          </a:lnRef>
-          <a:fillRef idx="0">
-            <a:schemeClr val="accent1"/>
-          </a:fillRef>
-          <a:effectRef idx="0">
-            <a:schemeClr val="accent1"/>
-          </a:effectRef>
-          <a:fontRef idx="minor">
-            <a:schemeClr val="tx1"/>
-          </a:fontRef>
-        </p:style>
-      </p:cxnSp>
-      <p:cxnSp>
-        <p:nvCxnSpPr>
-          <p:cNvPr id="79" name="Elbow Connector 78"/>
-          <p:cNvCxnSpPr>
-            <a:endCxn id="7" idx="3"/>
-          </p:cNvCxnSpPr>
-          <p:nvPr/>
-        </p:nvCxnSpPr>
-        <p:spPr>
-          <a:xfrm rot="10800000">
-            <a:off x="5785555" y="2651878"/>
-            <a:ext cx="3488451" cy="2347194"/>
-          </a:xfrm>
-          <a:prstGeom prst="bentConnector3">
-            <a:avLst>
-              <a:gd name="adj1" fmla="val 9590"/>
-            </a:avLst>
-          </a:prstGeom>
-          <a:ln>
-            <a:tailEnd type="triangle"/>
-          </a:ln>
-        </p:spPr>
-        <p:style>
-          <a:lnRef idx="1">
-            <a:schemeClr val="accent1"/>
-          </a:lnRef>
-          <a:fillRef idx="0">
-            <a:schemeClr val="accent1"/>
-          </a:fillRef>
-          <a:effectRef idx="0">
-            <a:schemeClr val="accent1"/>
-          </a:effectRef>
-          <a:fontRef idx="minor">
-            <a:schemeClr val="tx1"/>
-          </a:fontRef>
-        </p:style>
-      </p:cxnSp>
-      <p:sp>
-        <p:nvSpPr>
-          <p:cNvPr id="88" name="Oval 87"/>
-          <p:cNvSpPr/>
-          <p:nvPr/>
-        </p:nvSpPr>
-        <p:spPr>
-          <a:xfrm>
-            <a:off x="4424237" y="720409"/>
-            <a:ext cx="730536" cy="639965"/>
-          </a:xfrm>
-          <a:prstGeom prst="ellipse">
-            <a:avLst/>
-          </a:prstGeom>
-        </p:spPr>
-        <p:style>
-          <a:lnRef idx="2">
-            <a:schemeClr val="accent1">
-              <a:shade val="50000"/>
-            </a:schemeClr>
-          </a:lnRef>
-          <a:fillRef idx="1">
-            <a:schemeClr val="accent1"/>
-          </a:fillRef>
-          <a:effectRef idx="0">
-            <a:schemeClr val="accent1"/>
-          </a:effectRef>
-          <a:fontRef idx="minor">
-            <a:schemeClr val="lt1"/>
-          </a:fontRef>
-        </p:style>
-        <p:txBody>
-          <a:bodyPr rtlCol="0" anchor="ctr"/>
-          <a:lstStyle/>
-          <a:p>
-            <a:pPr algn="ctr"/>
-            <a:endParaRPr lang="es-SV"/>
-          </a:p>
-        </p:txBody>
-      </p:sp>
-      <p:sp>
-        <p:nvSpPr>
-          <p:cNvPr id="5" name="TextBox 4"/>
-          <p:cNvSpPr txBox="1"/>
-          <p:nvPr/>
-        </p:nvSpPr>
-        <p:spPr>
-          <a:xfrm>
-            <a:off x="4465161" y="854670"/>
-            <a:ext cx="689612" cy="369332"/>
-          </a:xfrm>
-          <a:prstGeom prst="rect">
-            <a:avLst/>
-          </a:prstGeom>
-          <a:noFill/>
-          <a:ln>
-            <a:noFill/>
-          </a:ln>
-        </p:spPr>
-        <p:txBody>
-          <a:bodyPr wrap="none" rtlCol="0">
-            <a:spAutoFit/>
-          </a:bodyPr>
-          <a:lstStyle/>
-          <a:p>
-            <a:r>
-              <a:rPr lang="en-US" dirty="0" smtClean="0"/>
-              <a:t>Start</a:t>
-            </a:r>
-            <a:endParaRPr lang="es-SV" dirty="0"/>
-          </a:p>
-        </p:txBody>
-      </p:sp>
-    </p:spTree>
-    <p:extLst>
-      <p:ext uri="{BB962C8B-B14F-4D97-AF65-F5344CB8AC3E}">
-        <p14:creationId xmlns:p14="http://schemas.microsoft.com/office/powerpoint/2010/main" val="1210693069"/>
+        <p14:creationId xmlns:p14="http://schemas.microsoft.com/office/powerpoint/2010/main" val="2713488986"/>
       </p:ext>
     </p:extLst>
   </p:cSld>
